--- a/semester 5/sensors_and_actuators/saa_4_signal_and_noice_in_measurement_systems.pptx
+++ b/semester 5/sensors_and_actuators/saa_4_signal_and_noice_in_measurement_systems.pptx
@@ -11,18 +11,18 @@
   </p:notesMasterIdLst>
   <p:sldIdLst>
     <p:sldId id="282" r:id="rId4"/>
-    <p:sldId id="270" r:id="rId5"/>
-    <p:sldId id="300" r:id="rId6"/>
-    <p:sldId id="261" r:id="rId7"/>
-    <p:sldId id="310" r:id="rId8"/>
-    <p:sldId id="311" r:id="rId9"/>
-    <p:sldId id="313" r:id="rId10"/>
-    <p:sldId id="314" r:id="rId11"/>
-    <p:sldId id="312" r:id="rId12"/>
-    <p:sldId id="315" r:id="rId13"/>
-    <p:sldId id="316" r:id="rId14"/>
-    <p:sldId id="317" r:id="rId15"/>
-    <p:sldId id="318" r:id="rId16"/>
+    <p:sldId id="300" r:id="rId5"/>
+    <p:sldId id="261" r:id="rId6"/>
+    <p:sldId id="310" r:id="rId7"/>
+    <p:sldId id="311" r:id="rId8"/>
+    <p:sldId id="313" r:id="rId9"/>
+    <p:sldId id="314" r:id="rId10"/>
+    <p:sldId id="312" r:id="rId11"/>
+    <p:sldId id="315" r:id="rId12"/>
+    <p:sldId id="316" r:id="rId13"/>
+    <p:sldId id="317" r:id="rId14"/>
+    <p:sldId id="318" r:id="rId15"/>
+    <p:sldId id="327" r:id="rId16"/>
     <p:sldId id="319" r:id="rId17"/>
     <p:sldId id="320" r:id="rId18"/>
     <p:sldId id="309" r:id="rId19"/>
@@ -142,7 +142,6 @@
         </p14:section>
         <p14:section name="Overview" id="{182DAED3-CCFD-4C31-AA6F-577B81206013}">
           <p14:sldIdLst>
-            <p14:sldId id="270"/>
             <p14:sldId id="300"/>
           </p14:sldIdLst>
         </p14:section>
@@ -162,6 +161,7 @@
             <p14:sldId id="316"/>
             <p14:sldId id="317"/>
             <p14:sldId id="318"/>
+            <p14:sldId id="327"/>
             <p14:sldId id="319"/>
           </p14:sldIdLst>
         </p14:section>
@@ -1033,7 +1033,7 @@
               <a:ea typeface="Inter" panose="02000503000000020004" pitchFamily="50" charset="0"/>
               <a:cs typeface="Inter" panose="02000503000000020004" pitchFamily="50" charset="0"/>
             </a:rPr>
-            <a:t>Introduction</a:t>
+            <a:t>Signal Types</a:t>
           </a:r>
           <a:endParaRPr lang="en-CH" dirty="0"/>
         </a:p>
@@ -1406,7 +1406,7 @@
               <a:ea typeface="Inter" panose="02000503000000020004" pitchFamily="50" charset="0"/>
               <a:cs typeface="Inter" panose="02000503000000020004" pitchFamily="50" charset="0"/>
             </a:rPr>
-            <a:t>Introduction</a:t>
+            <a:t>Signal Types</a:t>
           </a:r>
           <a:endParaRPr lang="en-CH" sz="2300" kern="1200" dirty="0"/>
         </a:p>
@@ -3035,7 +3035,7 @@
           <a:p>
             <a:fld id="{46697828-BD99-4EE4-B248-B6544F3D4165}" type="datetimeFigureOut">
               <a:rPr lang="en-CH" smtClean="0"/>
-              <a:t>26/12/2023</a:t>
+              <a:t>04/01/2024</a:t>
             </a:fld>
             <a:endParaRPr lang="en-CH"/>
           </a:p>
@@ -3476,7 +3476,7 @@
           <a:p>
             <a:fld id="{9C33268D-4392-4FD3-B33B-AD549935553F}" type="slidenum">
               <a:rPr lang="en-CH" smtClean="0"/>
-              <a:t>12</a:t>
+              <a:t>11</a:t>
             </a:fld>
             <a:endParaRPr lang="en-CH"/>
           </a:p>
@@ -3577,7 +3577,7 @@
           <a:p>
             <a:fld id="{9C33268D-4392-4FD3-B33B-AD549935553F}" type="slidenum">
               <a:rPr lang="en-CH" smtClean="0"/>
-              <a:t>13</a:t>
+              <a:t>12</a:t>
             </a:fld>
             <a:endParaRPr lang="en-CH"/>
           </a:p>
@@ -3655,8 +3655,47 @@
               <a:buChar char="•"/>
             </a:pPr>
             <a:r>
+              <a:rPr lang="en-GB" b="1" dirty="0"/>
+              <a:t>The autocorrelation function of any periodic</a:t>
+            </a:r>
+            <a:r>
               <a:rPr lang="en-CH" b="1" dirty="0"/>
-              <a:t>The autocorrelation has the same frequency as the signal itself!</a:t>
+              <a:t> </a:t>
+            </a:r>
+            <a:r>
+              <a:rPr lang="en-GB" b="1" dirty="0"/>
+              <a:t>signal has the same period as the signal itself </a:t>
+            </a:r>
+            <a:endParaRPr lang="en-CH" b="1" dirty="0"/>
+          </a:p>
+          <a:p>
+            <a:pPr marL="171450" indent="-171450">
+              <a:buFont typeface="Arial" panose="020B0604020202020204" pitchFamily="34" charset="0"/>
+              <a:buChar char="•"/>
+            </a:pPr>
+            <a:r>
+              <a:rPr lang="en-CH" b="1" dirty="0"/>
+              <a:t>Usage</a:t>
+            </a:r>
+          </a:p>
+          <a:p>
+            <a:pPr marL="628650" lvl="1" indent="-171450">
+              <a:buFont typeface="Arial" panose="020B0604020202020204" pitchFamily="34" charset="0"/>
+              <a:buChar char="•"/>
+            </a:pPr>
+            <a:r>
+              <a:rPr lang="en-CH" b="0" dirty="0"/>
+              <a:t>Find period of signal by analysing peaks</a:t>
+            </a:r>
+          </a:p>
+          <a:p>
+            <a:pPr marL="628650" lvl="1" indent="-171450">
+              <a:buFont typeface="Arial" panose="020B0604020202020204" pitchFamily="34" charset="0"/>
+              <a:buChar char="•"/>
+            </a:pPr>
+            <a:r>
+              <a:rPr lang="en-CH" b="0" dirty="0"/>
+              <a:t>Find rms value by setting delay to 0</a:t>
             </a:r>
           </a:p>
         </p:txBody>
@@ -3678,7 +3717,7 @@
           <a:p>
             <a:fld id="{9C33268D-4392-4FD3-B33B-AD549935553F}" type="slidenum">
               <a:rPr lang="en-CH" smtClean="0"/>
-              <a:t>14</a:t>
+              <a:t>13</a:t>
             </a:fld>
             <a:endParaRPr lang="en-CH"/>
           </a:p>
@@ -3687,7 +3726,7 @@
     </p:spTree>
     <p:extLst>
       <p:ext uri="{BB962C8B-B14F-4D97-AF65-F5344CB8AC3E}">
-        <p14:creationId xmlns:p14="http://schemas.microsoft.com/office/powerpoint/2010/main" val="4184284049"/>
+        <p14:creationId xmlns:p14="http://schemas.microsoft.com/office/powerpoint/2010/main" val="352680852"/>
       </p:ext>
     </p:extLst>
   </p:cSld>
@@ -3741,7 +3780,33 @@
           <a:bodyPr/>
           <a:lstStyle/>
           <a:p>
-            <a:endParaRPr lang="en-CH" dirty="0"/>
+            <a:pPr marL="171450" indent="-171450">
+              <a:buFont typeface="Arial" panose="020B0604020202020204" pitchFamily="34" charset="0"/>
+              <a:buChar char="•"/>
+            </a:pPr>
+            <a:r>
+              <a:rPr lang="en-CH" dirty="0"/>
+              <a:t>Autocorrelation can be used to calculate delays between an input and output of a system.</a:t>
+            </a:r>
+          </a:p>
+          <a:p>
+            <a:pPr marL="171450" indent="-171450">
+              <a:buFont typeface="Arial" panose="020B0604020202020204" pitchFamily="34" charset="0"/>
+              <a:buChar char="•"/>
+            </a:pPr>
+            <a:r>
+              <a:rPr lang="en-GB" b="1" dirty="0"/>
+              <a:t>The autocorrelation function of any periodic</a:t>
+            </a:r>
+            <a:r>
+              <a:rPr lang="en-CH" b="1" dirty="0"/>
+              <a:t> </a:t>
+            </a:r>
+            <a:r>
+              <a:rPr lang="en-GB" b="1" dirty="0"/>
+              <a:t>signal has the same period as the signal itself </a:t>
+            </a:r>
+            <a:endParaRPr lang="en-CH" b="1" dirty="0"/>
           </a:p>
         </p:txBody>
       </p:sp>
@@ -3762,7 +3827,7 @@
           <a:p>
             <a:fld id="{9C33268D-4392-4FD3-B33B-AD549935553F}" type="slidenum">
               <a:rPr lang="en-CH" smtClean="0"/>
-              <a:t>17</a:t>
+              <a:t>14</a:t>
             </a:fld>
             <a:endParaRPr lang="en-CH"/>
           </a:p>
@@ -3771,7 +3836,7 @@
     </p:spTree>
     <p:extLst>
       <p:ext uri="{BB962C8B-B14F-4D97-AF65-F5344CB8AC3E}">
-        <p14:creationId xmlns:p14="http://schemas.microsoft.com/office/powerpoint/2010/main" val="3393636617"/>
+        <p14:creationId xmlns:p14="http://schemas.microsoft.com/office/powerpoint/2010/main" val="4184284049"/>
       </p:ext>
     </p:extLst>
   </p:cSld>
@@ -3825,10 +3890,7 @@
           <a:bodyPr/>
           <a:lstStyle/>
           <a:p>
-            <a:r>
-              <a:rPr lang="en-CH" dirty="0"/>
-              <a:t>All values are in RMS</a:t>
-            </a:r>
+            <a:endParaRPr lang="en-CH" dirty="0"/>
           </a:p>
         </p:txBody>
       </p:sp>
@@ -3849,7 +3911,7 @@
           <a:p>
             <a:fld id="{9C33268D-4392-4FD3-B33B-AD549935553F}" type="slidenum">
               <a:rPr lang="en-CH" smtClean="0"/>
-              <a:t>18</a:t>
+              <a:t>17</a:t>
             </a:fld>
             <a:endParaRPr lang="en-CH"/>
           </a:p>
@@ -3858,7 +3920,7 @@
     </p:spTree>
     <p:extLst>
       <p:ext uri="{BB962C8B-B14F-4D97-AF65-F5344CB8AC3E}">
-        <p14:creationId xmlns:p14="http://schemas.microsoft.com/office/powerpoint/2010/main" val="2808340732"/>
+        <p14:creationId xmlns:p14="http://schemas.microsoft.com/office/powerpoint/2010/main" val="3393636617"/>
       </p:ext>
     </p:extLst>
   </p:cSld>
@@ -3914,7 +3976,7 @@
           <a:p>
             <a:r>
               <a:rPr lang="en-CH" dirty="0"/>
-              <a:t>Thermal noise is </a:t>
+              <a:t>All values are in RMS</a:t>
             </a:r>
           </a:p>
         </p:txBody>
@@ -3936,7 +3998,7 @@
           <a:p>
             <a:fld id="{9C33268D-4392-4FD3-B33B-AD549935553F}" type="slidenum">
               <a:rPr lang="en-CH" smtClean="0"/>
-              <a:t>19</a:t>
+              <a:t>18</a:t>
             </a:fld>
             <a:endParaRPr lang="en-CH"/>
           </a:p>
@@ -3945,7 +4007,7 @@
     </p:spTree>
     <p:extLst>
       <p:ext uri="{BB962C8B-B14F-4D97-AF65-F5344CB8AC3E}">
-        <p14:creationId xmlns:p14="http://schemas.microsoft.com/office/powerpoint/2010/main" val="719176983"/>
+        <p14:creationId xmlns:p14="http://schemas.microsoft.com/office/powerpoint/2010/main" val="2808340732"/>
       </p:ext>
     </p:extLst>
   </p:cSld>
@@ -3999,43 +4061,9 @@
           <a:bodyPr/>
           <a:lstStyle/>
           <a:p>
-            <a:pPr marL="171450" indent="-171450">
-              <a:buFont typeface="Arial" panose="020B0604020202020204" pitchFamily="34" charset="0"/>
-              <a:buChar char="•"/>
-            </a:pPr>
             <a:r>
               <a:rPr lang="en-CH" dirty="0"/>
-              <a:t>AC Sources are the most common type of interferences, as the changing signals influence measurement circuits and nearby circuits. A good example is 230V + 50Hz (main power)</a:t>
-            </a:r>
-          </a:p>
-          <a:p>
-            <a:pPr marL="171450" indent="-171450">
-              <a:buFont typeface="Arial" panose="020B0604020202020204" pitchFamily="34" charset="0"/>
-              <a:buChar char="•"/>
-            </a:pPr>
-            <a:r>
-              <a:rPr lang="en-CH" dirty="0"/>
-              <a:t>DC Sources themselves don’t interfere with circuits (except for maybe electrical fields), but the changing states of these DC signals create interferences.</a:t>
-            </a:r>
-          </a:p>
-          <a:p>
-            <a:pPr marL="171450" indent="-171450">
-              <a:buFont typeface="Arial" panose="020B0604020202020204" pitchFamily="34" charset="0"/>
-              <a:buChar char="•"/>
-            </a:pPr>
-            <a:r>
-              <a:rPr lang="en-CH" dirty="0"/>
-              <a:t>RFI: oscillators in radio frequency transmitters and receivers </a:t>
-            </a:r>
-            <a:r>
-              <a:rPr lang="en-CH" dirty="0">
-                <a:sym typeface="Wingdings" panose="05000000000000000000" pitchFamily="2" charset="2"/>
-              </a:rPr>
-              <a:t> </a:t>
-            </a:r>
-            <a:r>
-              <a:rPr lang="en-CH" dirty="0"/>
-              <a:t>can get picked up by nearby circuits of the system</a:t>
+              <a:t>Thermal noise is </a:t>
             </a:r>
           </a:p>
         </p:txBody>
@@ -4057,7 +4085,7 @@
           <a:p>
             <a:fld id="{9C33268D-4392-4FD3-B33B-AD549935553F}" type="slidenum">
               <a:rPr lang="en-CH" smtClean="0"/>
-              <a:t>20</a:t>
+              <a:t>19</a:t>
             </a:fld>
             <a:endParaRPr lang="en-CH"/>
           </a:p>
@@ -4066,7 +4094,7 @@
     </p:spTree>
     <p:extLst>
       <p:ext uri="{BB962C8B-B14F-4D97-AF65-F5344CB8AC3E}">
-        <p14:creationId xmlns:p14="http://schemas.microsoft.com/office/powerpoint/2010/main" val="1882361500"/>
+        <p14:creationId xmlns:p14="http://schemas.microsoft.com/office/powerpoint/2010/main" val="719176983"/>
       </p:ext>
     </p:extLst>
   </p:cSld>
@@ -4126,7 +4154,37 @@
             </a:pPr>
             <a:r>
               <a:rPr lang="en-CH" dirty="0"/>
-              <a:t>M: Mutual inductance</a:t>
+              <a:t>AC Sources are the most common type of interferences, as the changing signals influence measurement circuits and nearby circuits. A good example is 230V + 50Hz (main power)</a:t>
+            </a:r>
+          </a:p>
+          <a:p>
+            <a:pPr marL="171450" indent="-171450">
+              <a:buFont typeface="Arial" panose="020B0604020202020204" pitchFamily="34" charset="0"/>
+              <a:buChar char="•"/>
+            </a:pPr>
+            <a:r>
+              <a:rPr lang="en-CH" dirty="0"/>
+              <a:t>DC Sources themselves don’t interfere with circuits (except for maybe electrical fields), but the changing states of these DC signals create interferences.</a:t>
+            </a:r>
+          </a:p>
+          <a:p>
+            <a:pPr marL="171450" indent="-171450">
+              <a:buFont typeface="Arial" panose="020B0604020202020204" pitchFamily="34" charset="0"/>
+              <a:buChar char="•"/>
+            </a:pPr>
+            <a:r>
+              <a:rPr lang="en-CH" dirty="0"/>
+              <a:t>RFI: oscillators in radio frequency transmitters and receivers </a:t>
+            </a:r>
+            <a:r>
+              <a:rPr lang="en-CH" dirty="0">
+                <a:sym typeface="Wingdings" panose="05000000000000000000" pitchFamily="2" charset="2"/>
+              </a:rPr>
+              <a:t> </a:t>
+            </a:r>
+            <a:r>
+              <a:rPr lang="en-CH" dirty="0"/>
+              <a:t>can get picked up by nearby circuits of the system</a:t>
             </a:r>
           </a:p>
         </p:txBody>
@@ -4148,7 +4206,7 @@
           <a:p>
             <a:fld id="{9C33268D-4392-4FD3-B33B-AD549935553F}" type="slidenum">
               <a:rPr lang="en-CH" smtClean="0"/>
-              <a:t>21</a:t>
+              <a:t>20</a:t>
             </a:fld>
             <a:endParaRPr lang="en-CH"/>
           </a:p>
@@ -4157,7 +4215,7 @@
     </p:spTree>
     <p:extLst>
       <p:ext uri="{BB962C8B-B14F-4D97-AF65-F5344CB8AC3E}">
-        <p14:creationId xmlns:p14="http://schemas.microsoft.com/office/powerpoint/2010/main" val="3187294407"/>
+        <p14:creationId xmlns:p14="http://schemas.microsoft.com/office/powerpoint/2010/main" val="1882361500"/>
       </p:ext>
     </p:extLst>
   </p:cSld>
@@ -4217,7 +4275,7 @@
             </a:pPr>
             <a:r>
               <a:rPr lang="en-CH" dirty="0"/>
-              <a:t>No interference when C1=C2, C1e=C2e</a:t>
+              <a:t>M: Mutual inductance</a:t>
             </a:r>
           </a:p>
         </p:txBody>
@@ -4239,7 +4297,7 @@
           <a:p>
             <a:fld id="{9C33268D-4392-4FD3-B33B-AD549935553F}" type="slidenum">
               <a:rPr lang="en-CH" smtClean="0"/>
-              <a:t>22</a:t>
+              <a:t>21</a:t>
             </a:fld>
             <a:endParaRPr lang="en-CH"/>
           </a:p>
@@ -4248,7 +4306,7 @@
     </p:spTree>
     <p:extLst>
       <p:ext uri="{BB962C8B-B14F-4D97-AF65-F5344CB8AC3E}">
-        <p14:creationId xmlns:p14="http://schemas.microsoft.com/office/powerpoint/2010/main" val="403906732"/>
+        <p14:creationId xmlns:p14="http://schemas.microsoft.com/office/powerpoint/2010/main" val="3187294407"/>
       </p:ext>
     </p:extLst>
   </p:cSld>
@@ -4306,7 +4364,10 @@
               <a:buFont typeface="Arial" panose="020B0604020202020204" pitchFamily="34" charset="0"/>
               <a:buChar char="•"/>
             </a:pPr>
-            <a:endParaRPr lang="en-CH" dirty="0"/>
+            <a:r>
+              <a:rPr lang="en-CH" dirty="0"/>
+              <a:t>No interference when C1=C2, C1e=C2e</a:t>
+            </a:r>
           </a:p>
         </p:txBody>
       </p:sp>
@@ -4327,7 +4388,7 @@
           <a:p>
             <a:fld id="{9C33268D-4392-4FD3-B33B-AD549935553F}" type="slidenum">
               <a:rPr lang="en-CH" smtClean="0"/>
-              <a:t>23</a:t>
+              <a:t>22</a:t>
             </a:fld>
             <a:endParaRPr lang="en-CH"/>
           </a:p>
@@ -4336,7 +4397,7 @@
     </p:spTree>
     <p:extLst>
       <p:ext uri="{BB962C8B-B14F-4D97-AF65-F5344CB8AC3E}">
-        <p14:creationId xmlns:p14="http://schemas.microsoft.com/office/powerpoint/2010/main" val="2249255041"/>
+        <p14:creationId xmlns:p14="http://schemas.microsoft.com/office/powerpoint/2010/main" val="403906732"/>
       </p:ext>
     </p:extLst>
   </p:cSld>
@@ -4432,7 +4493,7 @@
           <a:p>
             <a:fld id="{9C33268D-4392-4FD3-B33B-AD549935553F}" type="slidenum">
               <a:rPr lang="en-CH" smtClean="0"/>
-              <a:t>4</a:t>
+              <a:t>3</a:t>
             </a:fld>
             <a:endParaRPr lang="en-CH"/>
           </a:p>
@@ -4442,6 +4503,94 @@
     <p:extLst>
       <p:ext uri="{BB962C8B-B14F-4D97-AF65-F5344CB8AC3E}">
         <p14:creationId xmlns:p14="http://schemas.microsoft.com/office/powerpoint/2010/main" val="2949005690"/>
+      </p:ext>
+    </p:extLst>
+  </p:cSld>
+  <p:clrMapOvr>
+    <a:masterClrMapping/>
+  </p:clrMapOvr>
+</p:notes>
+</file>
+
+<file path=ppt/notesSlides/notesSlide20.xml><?xml version="1.0" encoding="utf-8"?>
+<p:notes xmlns:a="http://schemas.openxmlformats.org/drawingml/2006/main" xmlns:r="http://schemas.openxmlformats.org/officeDocument/2006/relationships" xmlns:p="http://schemas.openxmlformats.org/presentationml/2006/main">
+  <p:cSld>
+    <p:spTree>
+      <p:nvGrpSpPr>
+        <p:cNvPr id="1" name=""/>
+        <p:cNvGrpSpPr/>
+        <p:nvPr/>
+      </p:nvGrpSpPr>
+      <p:grpSpPr>
+        <a:xfrm>
+          <a:off x="0" y="0"/>
+          <a:ext cx="0" cy="0"/>
+          <a:chOff x="0" y="0"/>
+          <a:chExt cx="0" cy="0"/>
+        </a:xfrm>
+      </p:grpSpPr>
+      <p:sp>
+        <p:nvSpPr>
+          <p:cNvPr id="2" name="Slide Image Placeholder 1"/>
+          <p:cNvSpPr>
+            <a:spLocks noGrp="1" noRot="1" noChangeAspect="1"/>
+          </p:cNvSpPr>
+          <p:nvPr>
+            <p:ph type="sldImg"/>
+          </p:nvPr>
+        </p:nvSpPr>
+        <p:spPr/>
+      </p:sp>
+      <p:sp>
+        <p:nvSpPr>
+          <p:cNvPr id="3" name="Notes Placeholder 2"/>
+          <p:cNvSpPr>
+            <a:spLocks noGrp="1"/>
+          </p:cNvSpPr>
+          <p:nvPr>
+            <p:ph type="body" idx="1"/>
+          </p:nvPr>
+        </p:nvSpPr>
+        <p:spPr/>
+        <p:txBody>
+          <a:bodyPr/>
+          <a:lstStyle/>
+          <a:p>
+            <a:pPr marL="171450" indent="-171450">
+              <a:buFont typeface="Arial" panose="020B0604020202020204" pitchFamily="34" charset="0"/>
+              <a:buChar char="•"/>
+            </a:pPr>
+            <a:endParaRPr lang="en-CH" dirty="0"/>
+          </a:p>
+        </p:txBody>
+      </p:sp>
+      <p:sp>
+        <p:nvSpPr>
+          <p:cNvPr id="4" name="Slide Number Placeholder 3"/>
+          <p:cNvSpPr>
+            <a:spLocks noGrp="1"/>
+          </p:cNvSpPr>
+          <p:nvPr>
+            <p:ph type="sldNum" sz="quarter" idx="5"/>
+          </p:nvPr>
+        </p:nvSpPr>
+        <p:spPr/>
+        <p:txBody>
+          <a:bodyPr/>
+          <a:lstStyle/>
+          <a:p>
+            <a:fld id="{9C33268D-4392-4FD3-B33B-AD549935553F}" type="slidenum">
+              <a:rPr lang="en-CH" smtClean="0"/>
+              <a:t>23</a:t>
+            </a:fld>
+            <a:endParaRPr lang="en-CH"/>
+          </a:p>
+        </p:txBody>
+      </p:sp>
+    </p:spTree>
+    <p:extLst>
+      <p:ext uri="{BB962C8B-B14F-4D97-AF65-F5344CB8AC3E}">
+        <p14:creationId xmlns:p14="http://schemas.microsoft.com/office/powerpoint/2010/main" val="2249255041"/>
       </p:ext>
     </p:extLst>
   </p:cSld>
@@ -4600,7 +4749,7 @@
           <a:p>
             <a:fld id="{9C33268D-4392-4FD3-B33B-AD549935553F}" type="slidenum">
               <a:rPr lang="en-CH" smtClean="0"/>
-              <a:t>5</a:t>
+              <a:t>4</a:t>
             </a:fld>
             <a:endParaRPr lang="en-CH"/>
           </a:p>
@@ -4768,7 +4917,7 @@
           <a:p>
             <a:fld id="{9C33268D-4392-4FD3-B33B-AD549935553F}" type="slidenum">
               <a:rPr lang="en-CH" smtClean="0"/>
-              <a:t>6</a:t>
+              <a:t>5</a:t>
             </a:fld>
             <a:endParaRPr lang="en-CH"/>
           </a:p>
@@ -5093,7 +5242,7 @@
           <a:p>
             <a:fld id="{9C33268D-4392-4FD3-B33B-AD549935553F}" type="slidenum">
               <a:rPr lang="en-CH" smtClean="0"/>
-              <a:t>7</a:t>
+              <a:t>6</a:t>
             </a:fld>
             <a:endParaRPr lang="en-CH"/>
           </a:p>
@@ -5184,7 +5333,7 @@
           <a:p>
             <a:fld id="{9C33268D-4392-4FD3-B33B-AD549935553F}" type="slidenum">
               <a:rPr lang="en-CH" smtClean="0"/>
-              <a:t>8</a:t>
+              <a:t>7</a:t>
             </a:fld>
             <a:endParaRPr lang="en-CH"/>
           </a:p>
@@ -5271,7 +5420,7 @@
           <a:p>
             <a:fld id="{9C33268D-4392-4FD3-B33B-AD549935553F}" type="slidenum">
               <a:rPr lang="en-CH" smtClean="0"/>
-              <a:t>9</a:t>
+              <a:t>8</a:t>
             </a:fld>
             <a:endParaRPr lang="en-CH"/>
           </a:p>
@@ -5319,8 +5468,8 @@
         </p:nvSpPr>
         <p:spPr/>
       </p:sp>
-      <mc:AlternateContent xmlns:mc="http://schemas.openxmlformats.org/markup-compatibility/2006">
-        <mc:Choice xmlns:a14="http://schemas.microsoft.com/office/drawing/2010/main" Requires="a14">
+      <mc:AlternateContent xmlns:mc="http://schemas.openxmlformats.org/markup-compatibility/2006" xmlns:a14="http://schemas.microsoft.com/office/drawing/2010/main">
+        <mc:Choice Requires="a14">
           <p:sp>
             <p:nvSpPr>
               <p:cNvPr id="3" name="Notes Placeholder 2"/>
@@ -5446,7 +5595,7 @@
             </p:txBody>
           </p:sp>
         </mc:Choice>
-        <mc:Fallback>
+        <mc:Fallback xmlns="">
           <p:sp>
             <p:nvSpPr>
               <p:cNvPr id="3" name="Notes Placeholder 2"/>
@@ -5567,7 +5716,7 @@
           <a:p>
             <a:fld id="{9C33268D-4392-4FD3-B33B-AD549935553F}" type="slidenum">
               <a:rPr lang="en-CH" smtClean="0"/>
-              <a:t>10</a:t>
+              <a:t>9</a:t>
             </a:fld>
             <a:endParaRPr lang="en-CH"/>
           </a:p>
@@ -5615,8 +5764,8 @@
         </p:nvSpPr>
         <p:spPr/>
       </p:sp>
-      <mc:AlternateContent xmlns:mc="http://schemas.openxmlformats.org/markup-compatibility/2006">
-        <mc:Choice xmlns:a14="http://schemas.microsoft.com/office/drawing/2010/main" Requires="a14">
+      <mc:AlternateContent xmlns:mc="http://schemas.openxmlformats.org/markup-compatibility/2006" xmlns:a14="http://schemas.microsoft.com/office/drawing/2010/main">
+        <mc:Choice Requires="a14">
           <p:sp>
             <p:nvSpPr>
               <p:cNvPr id="3" name="Notes Placeholder 2"/>
@@ -5737,7 +5886,7 @@
             </p:txBody>
           </p:sp>
         </mc:Choice>
-        <mc:Fallback>
+        <mc:Fallback xmlns="">
           <p:sp>
             <p:nvSpPr>
               <p:cNvPr id="3" name="Notes Placeholder 2"/>
@@ -5853,7 +6002,7 @@
           <a:p>
             <a:fld id="{9C33268D-4392-4FD3-B33B-AD549935553F}" type="slidenum">
               <a:rPr lang="en-CH" smtClean="0"/>
-              <a:t>11</a:t>
+              <a:t>10</a:t>
             </a:fld>
             <a:endParaRPr lang="en-CH"/>
           </a:p>
@@ -5942,7 +6091,7 @@
             <a:fld id="{5EC0B375-6A40-43D7-83C5-47D26144B495}" type="datetimeFigureOut">
               <a:rPr lang="en-CH" smtClean="0"/>
               <a:pPr/>
-              <a:t>26/12/2023</a:t>
+              <a:t>04/01/2024</a:t>
             </a:fld>
             <a:endParaRPr lang="en-CH"/>
           </a:p>
@@ -6149,7 +6298,7 @@
             <a:fld id="{5EC0B375-6A40-43D7-83C5-47D26144B495}" type="datetimeFigureOut">
               <a:rPr lang="en-CH" smtClean="0"/>
               <a:pPr/>
-              <a:t>26/12/2023</a:t>
+              <a:t>04/01/2024</a:t>
             </a:fld>
             <a:endParaRPr lang="en-CH"/>
           </a:p>
@@ -6356,7 +6505,7 @@
             <a:fld id="{5EC0B375-6A40-43D7-83C5-47D26144B495}" type="datetimeFigureOut">
               <a:rPr lang="en-CH" smtClean="0"/>
               <a:pPr/>
-              <a:t>26/12/2023</a:t>
+              <a:t>04/01/2024</a:t>
             </a:fld>
             <a:endParaRPr lang="en-CH"/>
           </a:p>
@@ -6647,7 +6796,7 @@
             <a:fld id="{5EC0B375-6A40-43D7-83C5-47D26144B495}" type="datetimeFigureOut">
               <a:rPr lang="en-CH" smtClean="0"/>
               <a:pPr/>
-              <a:t>26/12/2023</a:t>
+              <a:t>04/01/2024</a:t>
             </a:fld>
             <a:endParaRPr lang="en-CH"/>
           </a:p>
@@ -6917,7 +7066,7 @@
             <a:fld id="{5EC0B375-6A40-43D7-83C5-47D26144B495}" type="datetimeFigureOut">
               <a:rPr lang="en-CH" smtClean="0"/>
               <a:pPr/>
-              <a:t>26/12/2023</a:t>
+              <a:t>04/01/2024</a:t>
             </a:fld>
             <a:endParaRPr lang="en-CH"/>
           </a:p>
@@ -7061,7 +7210,7 @@
             <a:fld id="{5EC0B375-6A40-43D7-83C5-47D26144B495}" type="datetimeFigureOut">
               <a:rPr lang="en-CH" smtClean="0"/>
               <a:pPr/>
-              <a:t>26/12/2023</a:t>
+              <a:t>04/01/2024</a:t>
             </a:fld>
             <a:endParaRPr lang="en-CH"/>
           </a:p>
@@ -7268,7 +7417,7 @@
             <a:fld id="{5EC0B375-6A40-43D7-83C5-47D26144B495}" type="datetimeFigureOut">
               <a:rPr lang="en-CH" smtClean="0"/>
               <a:pPr/>
-              <a:t>26/12/2023</a:t>
+              <a:t>04/01/2024</a:t>
             </a:fld>
             <a:endParaRPr lang="en-CH"/>
           </a:p>
@@ -7475,7 +7624,7 @@
             <a:fld id="{5EC0B375-6A40-43D7-83C5-47D26144B495}" type="datetimeFigureOut">
               <a:rPr lang="en-CH" smtClean="0"/>
               <a:pPr/>
-              <a:t>26/12/2023</a:t>
+              <a:t>04/01/2024</a:t>
             </a:fld>
             <a:endParaRPr lang="en-CH"/>
           </a:p>
@@ -7766,7 +7915,7 @@
             <a:fld id="{5EC0B375-6A40-43D7-83C5-47D26144B495}" type="datetimeFigureOut">
               <a:rPr lang="en-CH" smtClean="0"/>
               <a:pPr/>
-              <a:t>26/12/2023</a:t>
+              <a:t>04/01/2024</a:t>
             </a:fld>
             <a:endParaRPr lang="en-CH"/>
           </a:p>
@@ -8036,7 +8185,7 @@
             <a:fld id="{5EC0B375-6A40-43D7-83C5-47D26144B495}" type="datetimeFigureOut">
               <a:rPr lang="en-CH" smtClean="0"/>
               <a:pPr/>
-              <a:t>26/12/2023</a:t>
+              <a:t>04/01/2024</a:t>
             </a:fld>
             <a:endParaRPr lang="en-CH"/>
           </a:p>
@@ -8180,7 +8329,7 @@
             <a:fld id="{5EC0B375-6A40-43D7-83C5-47D26144B495}" type="datetimeFigureOut">
               <a:rPr lang="en-CH" smtClean="0"/>
               <a:pPr/>
-              <a:t>26/12/2023</a:t>
+              <a:t>04/01/2024</a:t>
             </a:fld>
             <a:endParaRPr lang="en-CH"/>
           </a:p>
@@ -8471,7 +8620,7 @@
             <a:fld id="{5EC0B375-6A40-43D7-83C5-47D26144B495}" type="datetimeFigureOut">
               <a:rPr lang="en-CH" smtClean="0"/>
               <a:pPr/>
-              <a:t>26/12/2023</a:t>
+              <a:t>04/01/2024</a:t>
             </a:fld>
             <a:endParaRPr lang="en-CH"/>
           </a:p>
@@ -8753,7 +8902,7 @@
             <a:fld id="{5EC0B375-6A40-43D7-83C5-47D26144B495}" type="datetimeFigureOut">
               <a:rPr lang="en-CH" smtClean="0"/>
               <a:pPr/>
-              <a:t>26/12/2023</a:t>
+              <a:t>04/01/2024</a:t>
             </a:fld>
             <a:endParaRPr lang="en-CH"/>
           </a:p>
@@ -9123,7 +9272,7 @@
             <a:fld id="{5EC0B375-6A40-43D7-83C5-47D26144B495}" type="datetimeFigureOut">
               <a:rPr lang="en-CH" smtClean="0"/>
               <a:pPr/>
-              <a:t>26/12/2023</a:t>
+              <a:t>04/01/2024</a:t>
             </a:fld>
             <a:endParaRPr lang="en-CH"/>
           </a:p>
@@ -9709,7 +9858,7 @@
             <a:fld id="{5EC0B375-6A40-43D7-83C5-47D26144B495}" type="datetimeFigureOut">
               <a:rPr lang="en-CH" smtClean="0"/>
               <a:pPr/>
-              <a:t>26/12/2023</a:t>
+              <a:t>04/01/2024</a:t>
             </a:fld>
             <a:endParaRPr lang="en-CH"/>
           </a:p>
@@ -10002,7 +10151,7 @@
             <a:fld id="{5EC0B375-6A40-43D7-83C5-47D26144B495}" type="datetimeFigureOut">
               <a:rPr lang="en-CH" smtClean="0"/>
               <a:pPr/>
-              <a:t>26/12/2023</a:t>
+              <a:t>04/01/2024</a:t>
             </a:fld>
             <a:endParaRPr lang="en-CH"/>
           </a:p>
@@ -10624,7 +10773,7 @@
             <a:fld id="{5EC0B375-6A40-43D7-83C5-47D26144B495}" type="datetimeFigureOut">
               <a:rPr lang="en-CH" smtClean="0"/>
               <a:pPr/>
-              <a:t>26/12/2023</a:t>
+              <a:t>04/01/2024</a:t>
             </a:fld>
             <a:endParaRPr lang="en-CH"/>
           </a:p>
@@ -11204,7 +11353,7 @@
             <a:fld id="{5EC0B375-6A40-43D7-83C5-47D26144B495}" type="datetimeFigureOut">
               <a:rPr lang="en-CH" smtClean="0"/>
               <a:pPr/>
-              <a:t>26/12/2023</a:t>
+              <a:t>04/01/2024</a:t>
             </a:fld>
             <a:endParaRPr lang="en-CH"/>
           </a:p>
@@ -11774,402 +11923,6 @@
       </p:sp>
       <p:pic>
         <p:nvPicPr>
-          <p:cNvPr id="8" name="Content Placeholder 7">
-            <a:extLst>
-              <a:ext uri="{FF2B5EF4-FFF2-40B4-BE49-F238E27FC236}">
-                <a16:creationId xmlns:a16="http://schemas.microsoft.com/office/drawing/2014/main" id="{FAF0A968-DEE8-F058-F848-0467CD2376AC}"/>
-              </a:ext>
-            </a:extLst>
-          </p:cNvPr>
-          <p:cNvPicPr>
-            <a:picLocks noGrp="1" noChangeAspect="1"/>
-          </p:cNvPicPr>
-          <p:nvPr>
-            <p:ph sz="quarter" idx="13"/>
-          </p:nvPr>
-        </p:nvPicPr>
-        <p:blipFill>
-          <a:blip r:embed="rId3"/>
-          <a:stretch>
-            <a:fillRect/>
-          </a:stretch>
-        </p:blipFill>
-        <p:spPr>
-          <a:xfrm>
-            <a:off x="922149" y="1133700"/>
-            <a:ext cx="7299702" cy="2887793"/>
-          </a:xfrm>
-        </p:spPr>
-      </p:pic>
-      <mc:AlternateContent xmlns:mc="http://schemas.openxmlformats.org/markup-compatibility/2006">
-        <mc:Choice xmlns:a14="http://schemas.microsoft.com/office/drawing/2010/main" Requires="a14">
-          <p:sp>
-            <p:nvSpPr>
-              <p:cNvPr id="9" name="TextBox 8">
-                <a:extLst>
-                  <a:ext uri="{FF2B5EF4-FFF2-40B4-BE49-F238E27FC236}">
-                    <a16:creationId xmlns:a16="http://schemas.microsoft.com/office/drawing/2014/main" id="{DD73AE0B-5177-EE25-DB8A-62055C61009B}"/>
-                  </a:ext>
-                </a:extLst>
-              </p:cNvPr>
-              <p:cNvSpPr txBox="1"/>
-              <p:nvPr/>
-            </p:nvSpPr>
-            <p:spPr>
-              <a:xfrm>
-                <a:off x="3292643" y="4213457"/>
-                <a:ext cx="2558714" cy="824585"/>
-              </a:xfrm>
-              <a:prstGeom prst="rect">
-                <a:avLst/>
-              </a:prstGeom>
-              <a:noFill/>
-            </p:spPr>
-            <p:txBody>
-              <a:bodyPr wrap="none" lIns="0" tIns="0" rIns="0" bIns="0" rtlCol="0">
-                <a:spAutoFit/>
-              </a:bodyPr>
-              <a:lstStyle/>
-              <a:p>
-                <a14:m>
-                  <m:oMathPara xmlns:m="http://schemas.openxmlformats.org/officeDocument/2006/math">
-                    <m:oMathParaPr>
-                      <m:jc m:val="centerGroup"/>
-                    </m:oMathParaPr>
-                    <m:oMath xmlns:m="http://schemas.openxmlformats.org/officeDocument/2006/math">
-                      <m:acc>
-                        <m:accPr>
-                          <m:chr m:val="̅"/>
-                          <m:ctrlPr>
-                            <a:rPr lang="en-CH" sz="2400" b="0" i="1" smtClean="0">
-                              <a:latin typeface="Cambria Math" panose="02040503050406030204" pitchFamily="18" charset="0"/>
-                            </a:rPr>
-                          </m:ctrlPr>
-                        </m:accPr>
-                        <m:e>
-                          <m:r>
-                            <a:rPr lang="en-CH" sz="2400" b="0" i="1" smtClean="0">
-                              <a:latin typeface="Cambria Math" panose="02040503050406030204" pitchFamily="18" charset="0"/>
-                            </a:rPr>
-                            <m:t>𝑃</m:t>
-                          </m:r>
-                        </m:e>
-                      </m:acc>
-                      <m:r>
-                        <a:rPr lang="en-CH" sz="2400" b="0" i="1" smtClean="0">
-                          <a:latin typeface="Cambria Math" panose="02040503050406030204" pitchFamily="18" charset="0"/>
-                        </a:rPr>
-                        <m:t>=</m:t>
-                      </m:r>
-                      <m:f>
-                        <m:fPr>
-                          <m:ctrlPr>
-                            <a:rPr lang="en-CH" sz="2400" b="0" i="1" smtClean="0">
-                              <a:latin typeface="Cambria Math" panose="02040503050406030204" pitchFamily="18" charset="0"/>
-                            </a:rPr>
-                          </m:ctrlPr>
-                        </m:fPr>
-                        <m:num>
-                          <m:r>
-                            <a:rPr lang="en-CH" sz="2400" b="0" i="1" smtClean="0">
-                              <a:latin typeface="Cambria Math" panose="02040503050406030204" pitchFamily="18" charset="0"/>
-                            </a:rPr>
-                            <m:t>1</m:t>
-                          </m:r>
-                        </m:num>
-                        <m:den>
-                          <m:sSub>
-                            <m:sSubPr>
-                              <m:ctrlPr>
-                                <a:rPr lang="en-CH" sz="2400" b="0" i="1" smtClean="0">
-                                  <a:latin typeface="Cambria Math" panose="02040503050406030204" pitchFamily="18" charset="0"/>
-                                </a:rPr>
-                              </m:ctrlPr>
-                            </m:sSubPr>
-                            <m:e>
-                              <m:r>
-                                <a:rPr lang="en-CH" sz="2400" b="0" i="1" smtClean="0">
-                                  <a:latin typeface="Cambria Math" panose="02040503050406030204" pitchFamily="18" charset="0"/>
-                                </a:rPr>
-                                <m:t>𝑇</m:t>
-                              </m:r>
-                            </m:e>
-                            <m:sub>
-                              <m:r>
-                                <a:rPr lang="en-CH" sz="2400" b="0" i="1" smtClean="0">
-                                  <a:latin typeface="Cambria Math" panose="02040503050406030204" pitchFamily="18" charset="0"/>
-                                </a:rPr>
-                                <m:t>0</m:t>
-                              </m:r>
-                            </m:sub>
-                          </m:sSub>
-                        </m:den>
-                      </m:f>
-                      <m:r>
-                        <a:rPr lang="en-CH" sz="2400" b="0" i="1" smtClean="0">
-                          <a:latin typeface="Cambria Math" panose="02040503050406030204" pitchFamily="18" charset="0"/>
-                        </a:rPr>
-                        <m:t>⋅</m:t>
-                      </m:r>
-                      <m:nary>
-                        <m:naryPr>
-                          <m:ctrlPr>
-                            <a:rPr lang="en-CH" sz="2400" b="0" i="1" smtClean="0">
-                              <a:latin typeface="Cambria Math" panose="02040503050406030204" pitchFamily="18" charset="0"/>
-                            </a:rPr>
-                          </m:ctrlPr>
-                        </m:naryPr>
-                        <m:sub>
-                          <m:sSub>
-                            <m:sSubPr>
-                              <m:ctrlPr>
-                                <a:rPr lang="en-CH" sz="2400" b="0" i="1" smtClean="0">
-                                  <a:latin typeface="Cambria Math" panose="02040503050406030204" pitchFamily="18" charset="0"/>
-                                </a:rPr>
-                              </m:ctrlPr>
-                            </m:sSubPr>
-                            <m:e>
-                              <m:r>
-                                <m:rPr>
-                                  <m:brk m:alnAt="23"/>
-                                </m:rPr>
-                                <a:rPr lang="en-CH" sz="2400" b="0" i="1" smtClean="0">
-                                  <a:latin typeface="Cambria Math" panose="02040503050406030204" pitchFamily="18" charset="0"/>
-                                </a:rPr>
-                                <m:t>𝑇</m:t>
-                              </m:r>
-                            </m:e>
-                            <m:sub>
-                              <m:r>
-                                <m:rPr>
-                                  <m:brk m:alnAt="23"/>
-                                </m:rPr>
-                                <a:rPr lang="en-CH" sz="2400" b="0" i="1" smtClean="0">
-                                  <a:latin typeface="Cambria Math" panose="02040503050406030204" pitchFamily="18" charset="0"/>
-                                </a:rPr>
-                                <m:t>0</m:t>
-                              </m:r>
-                            </m:sub>
-                          </m:sSub>
-                        </m:sub>
-                        <m:sup>
-                          <m:r>
-                            <a:rPr lang="en-CH" sz="2400" b="0" i="1" smtClean="0">
-                              <a:latin typeface="Cambria Math" panose="02040503050406030204" pitchFamily="18" charset="0"/>
-                            </a:rPr>
-                            <m:t> </m:t>
-                          </m:r>
-                        </m:sup>
-                        <m:e>
-                          <m:sSup>
-                            <m:sSupPr>
-                              <m:ctrlPr>
-                                <a:rPr lang="en-CH" sz="2400" b="0" i="1" smtClean="0">
-                                  <a:latin typeface="Cambria Math" panose="02040503050406030204" pitchFamily="18" charset="0"/>
-                                </a:rPr>
-                              </m:ctrlPr>
-                            </m:sSupPr>
-                            <m:e>
-                              <m:r>
-                                <a:rPr lang="en-CH" sz="2400" b="0" i="1" smtClean="0">
-                                  <a:latin typeface="Cambria Math" panose="02040503050406030204" pitchFamily="18" charset="0"/>
-                                </a:rPr>
-                                <m:t>𝑥</m:t>
-                              </m:r>
-                            </m:e>
-                            <m:sup>
-                              <m:r>
-                                <a:rPr lang="en-CH" sz="2400" b="0" i="1" smtClean="0">
-                                  <a:latin typeface="Cambria Math" panose="02040503050406030204" pitchFamily="18" charset="0"/>
-                                </a:rPr>
-                                <m:t>2</m:t>
-                              </m:r>
-                            </m:sup>
-                          </m:sSup>
-                          <m:d>
-                            <m:dPr>
-                              <m:ctrlPr>
-                                <a:rPr lang="en-CH" sz="2400" b="0" i="1" smtClean="0">
-                                  <a:latin typeface="Cambria Math" panose="02040503050406030204" pitchFamily="18" charset="0"/>
-                                </a:rPr>
-                              </m:ctrlPr>
-                            </m:dPr>
-                            <m:e>
-                              <m:r>
-                                <a:rPr lang="en-CH" sz="2400" b="0" i="1" smtClean="0">
-                                  <a:latin typeface="Cambria Math" panose="02040503050406030204" pitchFamily="18" charset="0"/>
-                                </a:rPr>
-                                <m:t>𝑡</m:t>
-                              </m:r>
-                            </m:e>
-                          </m:d>
-                          <m:r>
-                            <a:rPr lang="en-CH" sz="2400" b="0" i="1" smtClean="0">
-                              <a:latin typeface="Cambria Math" panose="02040503050406030204" pitchFamily="18" charset="0"/>
-                            </a:rPr>
-                            <m:t>𝑑𝑡</m:t>
-                          </m:r>
-                        </m:e>
-                      </m:nary>
-                    </m:oMath>
-                  </m:oMathPara>
-                </a14:m>
-                <a:endParaRPr lang="en-CH" sz="2400" dirty="0"/>
-              </a:p>
-            </p:txBody>
-          </p:sp>
-        </mc:Choice>
-        <mc:Fallback>
-          <p:sp>
-            <p:nvSpPr>
-              <p:cNvPr id="9" name="TextBox 8">
-                <a:extLst>
-                  <a:ext uri="{FF2B5EF4-FFF2-40B4-BE49-F238E27FC236}">
-                    <a16:creationId xmlns:a16="http://schemas.microsoft.com/office/drawing/2014/main" id="{DD73AE0B-5177-EE25-DB8A-62055C61009B}"/>
-                  </a:ext>
-                </a:extLst>
-              </p:cNvPr>
-              <p:cNvSpPr txBox="1">
-                <a:spLocks noRot="1" noChangeAspect="1" noMove="1" noResize="1" noEditPoints="1" noAdjustHandles="1" noChangeArrowheads="1" noChangeShapeType="1" noTextEdit="1"/>
-              </p:cNvSpPr>
-              <p:nvPr/>
-            </p:nvSpPr>
-            <p:spPr>
-              <a:xfrm>
-                <a:off x="3292643" y="4213457"/>
-                <a:ext cx="2558714" cy="824585"/>
-              </a:xfrm>
-              <a:prstGeom prst="rect">
-                <a:avLst/>
-              </a:prstGeom>
-              <a:blipFill>
-                <a:blip r:embed="rId4"/>
-                <a:stretch>
-                  <a:fillRect/>
-                </a:stretch>
-              </a:blipFill>
-            </p:spPr>
-            <p:txBody>
-              <a:bodyPr/>
-              <a:lstStyle/>
-              <a:p>
-                <a:r>
-                  <a:rPr lang="en-CH">
-                    <a:noFill/>
-                  </a:rPr>
-                  <a:t> </a:t>
-                </a:r>
-              </a:p>
-            </p:txBody>
-          </p:sp>
-        </mc:Fallback>
-      </mc:AlternateContent>
-    </p:spTree>
-    <p:extLst>
-      <p:ext uri="{BB962C8B-B14F-4D97-AF65-F5344CB8AC3E}">
-        <p14:creationId xmlns:p14="http://schemas.microsoft.com/office/powerpoint/2010/main" val="3347368836"/>
-      </p:ext>
-    </p:extLst>
-  </p:cSld>
-  <p:clrMapOvr>
-    <a:masterClrMapping/>
-  </p:clrMapOvr>
-</p:sld>
-</file>
-
-<file path=ppt/slides/slide11.xml><?xml version="1.0" encoding="utf-8"?>
-<p:sld xmlns:a="http://schemas.openxmlformats.org/drawingml/2006/main" xmlns:r="http://schemas.openxmlformats.org/officeDocument/2006/relationships" xmlns:p="http://schemas.openxmlformats.org/presentationml/2006/main">
-  <p:cSld>
-    <p:spTree>
-      <p:nvGrpSpPr>
-        <p:cNvPr id="1" name=""/>
-        <p:cNvGrpSpPr/>
-        <p:nvPr/>
-      </p:nvGrpSpPr>
-      <p:grpSpPr>
-        <a:xfrm>
-          <a:off x="0" y="0"/>
-          <a:ext cx="0" cy="0"/>
-          <a:chOff x="0" y="0"/>
-          <a:chExt cx="0" cy="0"/>
-        </a:xfrm>
-      </p:grpSpPr>
-      <p:sp>
-        <p:nvSpPr>
-          <p:cNvPr id="4" name="Title 3">
-            <a:extLst>
-              <a:ext uri="{FF2B5EF4-FFF2-40B4-BE49-F238E27FC236}">
-                <a16:creationId xmlns:a16="http://schemas.microsoft.com/office/drawing/2014/main" id="{4CFD4528-2BB6-DA51-122A-993728681618}"/>
-              </a:ext>
-            </a:extLst>
-          </p:cNvPr>
-          <p:cNvSpPr>
-            <a:spLocks noGrp="1"/>
-          </p:cNvSpPr>
-          <p:nvPr>
-            <p:ph type="title"/>
-          </p:nvPr>
-        </p:nvSpPr>
-        <p:spPr/>
-        <p:txBody>
-          <a:bodyPr>
-            <a:noAutofit/>
-          </a:bodyPr>
-          <a:lstStyle/>
-          <a:p>
-            <a:r>
-              <a:rPr lang="en-CH" sz="2800" dirty="0"/>
-              <a:t>Power Spectral Density</a:t>
-            </a:r>
-            <a:br>
-              <a:rPr lang="en-CH" sz="2800" dirty="0"/>
-            </a:br>
-            <a:r>
-              <a:rPr lang="en-CH" sz="1600" b="0" dirty="0"/>
-              <a:t>Statistical Representation of Random Signals</a:t>
-            </a:r>
-          </a:p>
-        </p:txBody>
-      </p:sp>
-      <p:sp>
-        <p:nvSpPr>
-          <p:cNvPr id="7" name="Footer Placeholder 6">
-            <a:extLst>
-              <a:ext uri="{FF2B5EF4-FFF2-40B4-BE49-F238E27FC236}">
-                <a16:creationId xmlns:a16="http://schemas.microsoft.com/office/drawing/2014/main" id="{C2087B21-59E7-351E-453B-C0FB4499D72D}"/>
-              </a:ext>
-            </a:extLst>
-          </p:cNvPr>
-          <p:cNvSpPr>
-            <a:spLocks noGrp="1"/>
-          </p:cNvSpPr>
-          <p:nvPr>
-            <p:ph type="ftr" sz="quarter" idx="11"/>
-          </p:nvPr>
-        </p:nvSpPr>
-        <p:spPr>
-          <a:xfrm>
-            <a:off x="2155008" y="5444450"/>
-            <a:ext cx="4833984" cy="270000"/>
-          </a:xfrm>
-        </p:spPr>
-        <p:txBody>
-          <a:bodyPr/>
-          <a:lstStyle/>
-          <a:p>
-            <a:r>
-              <a:rPr lang="en-GB" dirty="0"/>
-              <a:t>Principles of Measurement Systems 4th Edition, John P. Bentley, p.</a:t>
-            </a:r>
-            <a:r>
-              <a:rPr lang="en-CH" dirty="0"/>
-              <a:t>102-104</a:t>
-            </a:r>
-          </a:p>
-        </p:txBody>
-      </p:sp>
-      <p:pic>
-        <p:nvPicPr>
           <p:cNvPr id="6" name="Content Placeholder 5">
             <a:extLst>
               <a:ext uri="{FF2B5EF4-FFF2-40B4-BE49-F238E27FC236}">
@@ -12197,8 +11950,8 @@
           </a:xfrm>
         </p:spPr>
       </p:pic>
-      <mc:AlternateContent xmlns:mc="http://schemas.openxmlformats.org/markup-compatibility/2006">
-        <mc:Choice xmlns:a14="http://schemas.microsoft.com/office/drawing/2010/main" Requires="a14">
+      <mc:AlternateContent xmlns:mc="http://schemas.openxmlformats.org/markup-compatibility/2006" xmlns:a14="http://schemas.microsoft.com/office/drawing/2010/main">
+        <mc:Choice Requires="a14">
           <p:sp>
             <p:nvSpPr>
               <p:cNvPr id="10" name="TextBox 9">
@@ -12227,6 +11980,7 @@
               </a:bodyPr>
               <a:lstStyle/>
               <a:p>
+                <a:pPr/>
                 <a14:m>
                   <m:oMathPara xmlns:m="http://schemas.openxmlformats.org/officeDocument/2006/math">
                     <m:oMathParaPr>
@@ -12548,7 +12302,7 @@
             </p:txBody>
           </p:sp>
         </mc:Choice>
-        <mc:Fallback>
+        <mc:Fallback xmlns="">
           <p:sp>
             <p:nvSpPr>
               <p:cNvPr id="10" name="TextBox 9">
@@ -12632,8 +12386,8 @@
           </a:p>
         </p:txBody>
       </p:sp>
-      <mc:AlternateContent xmlns:mc="http://schemas.openxmlformats.org/markup-compatibility/2006">
-        <mc:Choice xmlns:a14="http://schemas.microsoft.com/office/drawing/2010/main" Requires="a14">
+      <mc:AlternateContent xmlns:mc="http://schemas.openxmlformats.org/markup-compatibility/2006" xmlns:a14="http://schemas.microsoft.com/office/drawing/2010/main">
+        <mc:Choice Requires="a14">
           <p:sp>
             <p:nvSpPr>
               <p:cNvPr id="12" name="TextBox 11">
@@ -12662,6 +12416,7 @@
               </a:bodyPr>
               <a:lstStyle/>
               <a:p>
+                <a:pPr/>
                 <a14:m>
                   <m:oMathPara xmlns:m="http://schemas.openxmlformats.org/officeDocument/2006/math">
                     <m:oMathParaPr>
@@ -12796,7 +12551,7 @@
             </p:txBody>
           </p:sp>
         </mc:Choice>
-        <mc:Fallback>
+        <mc:Fallback xmlns="">
           <p:sp>
             <p:nvSpPr>
               <p:cNvPr id="12" name="TextBox 11">
@@ -12896,8 +12651,8 @@
           </a:p>
         </p:txBody>
       </p:sp>
-      <mc:AlternateContent xmlns:mc="http://schemas.openxmlformats.org/markup-compatibility/2006">
-        <mc:Choice xmlns:a14="http://schemas.microsoft.com/office/drawing/2010/main" Requires="a14">
+      <mc:AlternateContent xmlns:mc="http://schemas.openxmlformats.org/markup-compatibility/2006" xmlns:a14="http://schemas.microsoft.com/office/drawing/2010/main">
+        <mc:Choice Requires="a14">
           <p:sp>
             <p:nvSpPr>
               <p:cNvPr id="14" name="TextBox 13">
@@ -12926,6 +12681,7 @@
               </a:bodyPr>
               <a:lstStyle/>
               <a:p>
+                <a:pPr/>
                 <a14:m>
                   <m:oMathPara xmlns:m="http://schemas.openxmlformats.org/officeDocument/2006/math">
                     <m:oMathParaPr>
@@ -13007,7 +12763,7 @@
             </p:txBody>
           </p:sp>
         </mc:Choice>
-        <mc:Fallback>
+        <mc:Fallback xmlns="">
           <p:sp>
             <p:nvSpPr>
               <p:cNvPr id="14" name="TextBox 13">
@@ -13104,7 +12860,7 @@
 </p:sld>
 </file>
 
-<file path=ppt/slides/slide12.xml><?xml version="1.0" encoding="utf-8"?>
+<file path=ppt/slides/slide11.xml><?xml version="1.0" encoding="utf-8"?>
 <p:sld xmlns:a="http://schemas.openxmlformats.org/drawingml/2006/main" xmlns:r="http://schemas.openxmlformats.org/officeDocument/2006/relationships" xmlns:p="http://schemas.openxmlformats.org/presentationml/2006/main">
   <p:cSld>
     <p:spTree>
@@ -13195,8 +12951,8 @@
           </a:p>
         </p:txBody>
       </p:sp>
-      <mc:AlternateContent xmlns:mc="http://schemas.openxmlformats.org/markup-compatibility/2006">
-        <mc:Choice xmlns:a14="http://schemas.microsoft.com/office/drawing/2010/main" Requires="a14">
+      <mc:AlternateContent xmlns:mc="http://schemas.openxmlformats.org/markup-compatibility/2006" xmlns:a14="http://schemas.microsoft.com/office/drawing/2010/main">
+        <mc:Choice Requires="a14">
           <p:sp>
             <p:nvSpPr>
               <p:cNvPr id="5" name="Content Placeholder 4">
@@ -13606,7 +13362,7 @@
             </p:txBody>
           </p:sp>
         </mc:Choice>
-        <mc:Fallback>
+        <mc:Fallback xmlns="">
           <p:sp>
             <p:nvSpPr>
               <p:cNvPr id="5" name="Content Placeholder 4">
@@ -13659,7 +13415,7 @@
 </p:sld>
 </file>
 
-<file path=ppt/slides/slide13.xml><?xml version="1.0" encoding="utf-8"?>
+<file path=ppt/slides/slide12.xml><?xml version="1.0" encoding="utf-8"?>
 <p:sld xmlns:a="http://schemas.openxmlformats.org/drawingml/2006/main" xmlns:r="http://schemas.openxmlformats.org/officeDocument/2006/relationships" xmlns:p="http://schemas.openxmlformats.org/presentationml/2006/main">
   <p:cSld>
     <p:spTree>
@@ -13779,8 +13535,8 @@
           </a:xfrm>
         </p:spPr>
       </p:pic>
-      <mc:AlternateContent xmlns:mc="http://schemas.openxmlformats.org/markup-compatibility/2006">
-        <mc:Choice xmlns:a14="http://schemas.microsoft.com/office/drawing/2010/main" Requires="a14">
+      <mc:AlternateContent xmlns:mc="http://schemas.openxmlformats.org/markup-compatibility/2006" xmlns:a14="http://schemas.microsoft.com/office/drawing/2010/main">
+        <mc:Choice Requires="a14">
           <p:sp>
             <p:nvSpPr>
               <p:cNvPr id="8" name="TextBox 7">
@@ -13809,6 +13565,7 @@
               </a:bodyPr>
               <a:lstStyle/>
               <a:p>
+                <a:pPr/>
                 <a14:m>
                   <m:oMathPara xmlns:m="http://schemas.openxmlformats.org/officeDocument/2006/math">
                     <m:oMathParaPr>
@@ -14126,7 +13883,7 @@
             </p:txBody>
           </p:sp>
         </mc:Choice>
-        <mc:Fallback>
+        <mc:Fallback xmlns="">
           <p:sp>
             <p:nvSpPr>
               <p:cNvPr id="8" name="TextBox 7">
@@ -14184,8 +13941,227 @@
 </p:sld>
 </file>
 
+<file path=ppt/slides/slide13.xml><?xml version="1.0" encoding="utf-8"?>
+<p:sld xmlns:a="http://schemas.openxmlformats.org/drawingml/2006/main" xmlns:r="http://schemas.openxmlformats.org/officeDocument/2006/relationships" xmlns:p="http://schemas.openxmlformats.org/presentationml/2006/main">
+  <p:cSld>
+    <p:spTree>
+      <p:nvGrpSpPr>
+        <p:cNvPr id="1" name=""/>
+        <p:cNvGrpSpPr/>
+        <p:nvPr/>
+      </p:nvGrpSpPr>
+      <p:grpSpPr>
+        <a:xfrm>
+          <a:off x="0" y="0"/>
+          <a:ext cx="0" cy="0"/>
+          <a:chOff x="0" y="0"/>
+          <a:chExt cx="0" cy="0"/>
+        </a:xfrm>
+      </p:grpSpPr>
+      <p:sp>
+        <p:nvSpPr>
+          <p:cNvPr id="4" name="Title 3">
+            <a:extLst>
+              <a:ext uri="{FF2B5EF4-FFF2-40B4-BE49-F238E27FC236}">
+                <a16:creationId xmlns:a16="http://schemas.microsoft.com/office/drawing/2014/main" id="{4CFD4528-2BB6-DA51-122A-993728681618}"/>
+              </a:ext>
+            </a:extLst>
+          </p:cNvPr>
+          <p:cNvSpPr>
+            <a:spLocks noGrp="1"/>
+          </p:cNvSpPr>
+          <p:nvPr>
+            <p:ph type="title"/>
+          </p:nvPr>
+        </p:nvSpPr>
+        <p:spPr/>
+        <p:txBody>
+          <a:bodyPr>
+            <a:noAutofit/>
+          </a:bodyPr>
+          <a:lstStyle/>
+          <a:p>
+            <a:r>
+              <a:rPr lang="en-CH" sz="2800" dirty="0"/>
+              <a:t>Autocorrelation</a:t>
+            </a:r>
+            <a:br>
+              <a:rPr lang="en-CH" sz="2800" dirty="0"/>
+            </a:br>
+            <a:r>
+              <a:rPr lang="en-CH" sz="1600" b="0" dirty="0"/>
+              <a:t>Statistical Representation of Random Signals</a:t>
+            </a:r>
+          </a:p>
+        </p:txBody>
+      </p:sp>
+      <p:sp>
+        <p:nvSpPr>
+          <p:cNvPr id="7" name="Footer Placeholder 6">
+            <a:extLst>
+              <a:ext uri="{FF2B5EF4-FFF2-40B4-BE49-F238E27FC236}">
+                <a16:creationId xmlns:a16="http://schemas.microsoft.com/office/drawing/2014/main" id="{C2087B21-59E7-351E-453B-C0FB4499D72D}"/>
+              </a:ext>
+            </a:extLst>
+          </p:cNvPr>
+          <p:cNvSpPr>
+            <a:spLocks noGrp="1"/>
+          </p:cNvSpPr>
+          <p:nvPr>
+            <p:ph type="ftr" sz="quarter" idx="11"/>
+          </p:nvPr>
+        </p:nvSpPr>
+        <p:spPr>
+          <a:xfrm>
+            <a:off x="1875449" y="5454000"/>
+            <a:ext cx="5393098" cy="270000"/>
+          </a:xfrm>
+        </p:spPr>
+        <p:txBody>
+          <a:bodyPr/>
+          <a:lstStyle/>
+          <a:p>
+            <a:r>
+              <a:rPr lang="en-GB" dirty="0"/>
+              <a:t>Principles of Measurement Systems 4th Edition, John P. Bentley, p.</a:t>
+            </a:r>
+            <a:r>
+              <a:rPr lang="en-CH" dirty="0"/>
+              <a:t>102-104</a:t>
+            </a:r>
+          </a:p>
+        </p:txBody>
+      </p:sp>
+      <p:sp>
+        <p:nvSpPr>
+          <p:cNvPr id="3" name="Content Placeholder 2">
+            <a:extLst>
+              <a:ext uri="{FF2B5EF4-FFF2-40B4-BE49-F238E27FC236}">
+                <a16:creationId xmlns:a16="http://schemas.microsoft.com/office/drawing/2014/main" id="{F56FF037-7872-D9B4-13E3-141846210926}"/>
+              </a:ext>
+            </a:extLst>
+          </p:cNvPr>
+          <p:cNvSpPr>
+            <a:spLocks noGrp="1"/>
+          </p:cNvSpPr>
+          <p:nvPr>
+            <p:ph sz="quarter" idx="13"/>
+          </p:nvPr>
+        </p:nvSpPr>
+        <p:spPr>
+          <a:xfrm>
+            <a:off x="360000" y="1043873"/>
+            <a:ext cx="4292922" cy="3949077"/>
+          </a:xfrm>
+        </p:spPr>
+        <p:txBody>
+          <a:bodyPr/>
+          <a:lstStyle/>
+          <a:p>
+            <a:r>
+              <a:rPr lang="en-GB" dirty="0"/>
+              <a:t>Detecting Periodicity</a:t>
+            </a:r>
+          </a:p>
+          <a:p>
+            <a:r>
+              <a:rPr lang="en-GB" dirty="0"/>
+              <a:t>Estimating Signal Properties</a:t>
+            </a:r>
+            <a:endParaRPr lang="en-CH" dirty="0"/>
+          </a:p>
+        </p:txBody>
+      </p:sp>
+      <p:pic>
+        <p:nvPicPr>
+          <p:cNvPr id="14" name="Picture 13" descr="A graph of a signal&#10;&#10;Description automatically generated">
+            <a:extLst>
+              <a:ext uri="{FF2B5EF4-FFF2-40B4-BE49-F238E27FC236}">
+                <a16:creationId xmlns:a16="http://schemas.microsoft.com/office/drawing/2014/main" id="{9353DFF9-A32F-C8D3-3A02-00CFE7BD3271}"/>
+              </a:ext>
+            </a:extLst>
+          </p:cNvPr>
+          <p:cNvPicPr>
+            <a:picLocks noChangeAspect="1"/>
+          </p:cNvPicPr>
+          <p:nvPr/>
+        </p:nvPicPr>
+        <p:blipFill>
+          <a:blip r:embed="rId3">
+            <a:extLst>
+              <a:ext uri="{28A0092B-C50C-407E-A947-70E740481C1C}">
+                <a14:useLocalDpi xmlns:a14="http://schemas.microsoft.com/office/drawing/2010/main" val="0"/>
+              </a:ext>
+            </a:extLst>
+          </a:blip>
+          <a:stretch>
+            <a:fillRect/>
+          </a:stretch>
+        </p:blipFill>
+        <p:spPr>
+          <a:xfrm>
+            <a:off x="4412031" y="995019"/>
+            <a:ext cx="4371970" cy="3997930"/>
+          </a:xfrm>
+          <a:prstGeom prst="rect">
+            <a:avLst/>
+          </a:prstGeom>
+        </p:spPr>
+      </p:pic>
+      <p:sp>
+        <p:nvSpPr>
+          <p:cNvPr id="16" name="TextBox 15">
+            <a:extLst>
+              <a:ext uri="{FF2B5EF4-FFF2-40B4-BE49-F238E27FC236}">
+                <a16:creationId xmlns:a16="http://schemas.microsoft.com/office/drawing/2014/main" id="{A1282E62-5DA0-3769-A6F5-44728587FAAE}"/>
+              </a:ext>
+            </a:extLst>
+          </p:cNvPr>
+          <p:cNvSpPr txBox="1"/>
+          <p:nvPr/>
+        </p:nvSpPr>
+        <p:spPr>
+          <a:xfrm>
+            <a:off x="4412031" y="4987238"/>
+            <a:ext cx="4572000" cy="246221"/>
+          </a:xfrm>
+          <a:prstGeom prst="rect">
+            <a:avLst/>
+          </a:prstGeom>
+          <a:noFill/>
+        </p:spPr>
+        <p:txBody>
+          <a:bodyPr wrap="square">
+            <a:spAutoFit/>
+          </a:bodyPr>
+          <a:lstStyle/>
+          <a:p>
+            <a:r>
+              <a:rPr lang="en-CH" sz="1000" dirty="0">
+                <a:latin typeface="Inter" panose="02000503000000020004" pitchFamily="50" charset="0"/>
+                <a:ea typeface="Inter" panose="02000503000000020004" pitchFamily="50" charset="0"/>
+                <a:cs typeface="Inter" panose="02000503000000020004" pitchFamily="50" charset="0"/>
+              </a:rPr>
+              <a:t>https://pages.mtu.edu/~suits/autocorrelation.html</a:t>
+            </a:r>
+          </a:p>
+        </p:txBody>
+      </p:sp>
+    </p:spTree>
+    <p:extLst>
+      <p:ext uri="{BB962C8B-B14F-4D97-AF65-F5344CB8AC3E}">
+        <p14:creationId xmlns:p14="http://schemas.microsoft.com/office/powerpoint/2010/main" val="3482278717"/>
+      </p:ext>
+    </p:extLst>
+  </p:cSld>
+  <p:clrMapOvr>
+    <a:masterClrMapping/>
+  </p:clrMapOvr>
+</p:sld>
+</file>
+
 <file path=ppt/slides/slide14.xml><?xml version="1.0" encoding="utf-8"?>
-<p:sld xmlns:a="http://schemas.openxmlformats.org/drawingml/2006/main" xmlns:r="http://schemas.openxmlformats.org/officeDocument/2006/relationships" xmlns:p="http://schemas.openxmlformats.org/presentationml/2006/main">
+<p:sld xmlns:a="http://schemas.openxmlformats.org/drawingml/2006/main" xmlns:r="http://schemas.openxmlformats.org/officeDocument/2006/relationships" xmlns:p="http://schemas.openxmlformats.org/presentationml/2006/main" show="0">
   <p:cSld>
     <p:spTree>
       <p:nvGrpSpPr>
@@ -14867,8 +14843,8 @@
           </a:p>
         </p:txBody>
       </p:sp>
-      <mc:AlternateContent xmlns:mc="http://schemas.openxmlformats.org/markup-compatibility/2006">
-        <mc:Choice xmlns:a14="http://schemas.microsoft.com/office/drawing/2010/main" Requires="a14">
+      <mc:AlternateContent xmlns:mc="http://schemas.openxmlformats.org/markup-compatibility/2006" xmlns:a14="http://schemas.microsoft.com/office/drawing/2010/main">
+        <mc:Choice Requires="a14">
           <p:sp>
             <p:nvSpPr>
               <p:cNvPr id="3" name="Content Placeholder 2">
@@ -15209,7 +15185,7 @@
             </p:txBody>
           </p:sp>
         </mc:Choice>
-        <mc:Fallback>
+        <mc:Fallback xmlns="">
           <p:sp>
             <p:nvSpPr>
               <p:cNvPr id="3" name="Content Placeholder 2">
@@ -15344,8 +15320,8 @@
           </a:p>
         </p:txBody>
       </p:sp>
-      <mc:AlternateContent xmlns:mc="http://schemas.openxmlformats.org/markup-compatibility/2006">
-        <mc:Choice xmlns:a14="http://schemas.microsoft.com/office/drawing/2010/main" Requires="a14">
+      <mc:AlternateContent xmlns:mc="http://schemas.openxmlformats.org/markup-compatibility/2006" xmlns:a14="http://schemas.microsoft.com/office/drawing/2010/main">
+        <mc:Choice Requires="a14">
           <p:sp>
             <p:nvSpPr>
               <p:cNvPr id="3" name="Content Placeholder 2">
@@ -15497,7 +15473,7 @@
             </p:txBody>
           </p:sp>
         </mc:Choice>
-        <mc:Fallback>
+        <mc:Fallback xmlns="">
           <p:sp>
             <p:nvSpPr>
               <p:cNvPr id="3" name="Content Placeholder 2">
@@ -15551,7 +15527,7 @@
 </file>
 
 <file path=ppt/slides/slide2.xml><?xml version="1.0" encoding="utf-8"?>
-<p:sld xmlns:a="http://schemas.openxmlformats.org/drawingml/2006/main" xmlns:r="http://schemas.openxmlformats.org/officeDocument/2006/relationships" xmlns:p="http://schemas.openxmlformats.org/presentationml/2006/main" show="0">
+<p:sld xmlns:a="http://schemas.openxmlformats.org/drawingml/2006/main" xmlns:r="http://schemas.openxmlformats.org/officeDocument/2006/relationships" xmlns:p="http://schemas.openxmlformats.org/presentationml/2006/main">
   <p:cSld>
     <p:spTree>
       <p:nvGrpSpPr>
@@ -15592,90 +15568,46 @@
           <a:p>
             <a:r>
               <a:rPr lang="en-CH" sz="4000" dirty="0"/>
-              <a:t>Required Content</a:t>
+              <a:t>Overview</a:t>
             </a:r>
           </a:p>
         </p:txBody>
       </p:sp>
-      <p:sp>
-        <p:nvSpPr>
-          <p:cNvPr id="7" name="Text Placeholder 6">
+      <p:graphicFrame>
+        <p:nvGraphicFramePr>
+          <p:cNvPr id="8" name="Content Placeholder 7">
             <a:extLst>
               <a:ext uri="{FF2B5EF4-FFF2-40B4-BE49-F238E27FC236}">
-                <a16:creationId xmlns:a16="http://schemas.microsoft.com/office/drawing/2014/main" id="{2672C02B-89BB-AD68-FE16-6E4D8E2E4E40}"/>
+                <a16:creationId xmlns:a16="http://schemas.microsoft.com/office/drawing/2014/main" id="{38769C3B-DB07-C067-4C10-8E7FE469BE7F}"/>
               </a:ext>
             </a:extLst>
           </p:cNvPr>
-          <p:cNvSpPr>
-            <a:spLocks noGrp="1"/>
-          </p:cNvSpPr>
+          <p:cNvGraphicFramePr>
+            <a:graphicFrameLocks noGrp="1"/>
+          </p:cNvGraphicFramePr>
           <p:nvPr>
             <p:ph sz="quarter" idx="13"/>
+            <p:extLst>
+              <p:ext uri="{D42A27DB-BD31-4B8C-83A1-F6EECF244321}">
+                <p14:modId xmlns:p14="http://schemas.microsoft.com/office/powerpoint/2010/main" val="4287639053"/>
+              </p:ext>
+            </p:extLst>
           </p:nvPr>
-        </p:nvSpPr>
-        <p:spPr/>
-        <p:txBody>
-          <a:bodyPr>
-            <a:normAutofit/>
-          </a:bodyPr>
-          <a:lstStyle/>
-          <a:p>
-            <a:r>
-              <a:rPr lang="en-CH" dirty="0">
-                <a:latin typeface="Inter" panose="02000503000000020004" pitchFamily="50" charset="0"/>
-                <a:ea typeface="Inter" panose="02000503000000020004" pitchFamily="50" charset="0"/>
-                <a:cs typeface="Inter" panose="02000503000000020004" pitchFamily="50" charset="0"/>
-              </a:rPr>
-              <a:t>Introduction</a:t>
-            </a:r>
-            <a:endParaRPr lang="en-CH" dirty="0"/>
-          </a:p>
-          <a:p>
-            <a:r>
-              <a:rPr lang="en-CH" dirty="0">
-                <a:latin typeface="Inter" panose="02000503000000020004" pitchFamily="50" charset="0"/>
-                <a:ea typeface="Inter" panose="02000503000000020004" pitchFamily="50" charset="0"/>
-                <a:cs typeface="Inter" panose="02000503000000020004" pitchFamily="50" charset="0"/>
-              </a:rPr>
-              <a:t>Statistical Representation of random signals</a:t>
-            </a:r>
-          </a:p>
-          <a:p>
-            <a:r>
-              <a:rPr lang="en-CH" dirty="0">
-                <a:latin typeface="Inter" panose="02000503000000020004" pitchFamily="50" charset="0"/>
-                <a:ea typeface="Inter" panose="02000503000000020004" pitchFamily="50" charset="0"/>
-                <a:cs typeface="Inter" panose="02000503000000020004" pitchFamily="50" charset="0"/>
-              </a:rPr>
-              <a:t>Effects of noise and interference on measurement circuits</a:t>
-            </a:r>
-          </a:p>
-          <a:p>
-            <a:r>
-              <a:rPr lang="en-CH" dirty="0">
-                <a:latin typeface="Inter" panose="02000503000000020004" pitchFamily="50" charset="0"/>
-                <a:ea typeface="Inter" panose="02000503000000020004" pitchFamily="50" charset="0"/>
-                <a:cs typeface="Inter" panose="02000503000000020004" pitchFamily="50" charset="0"/>
-              </a:rPr>
-              <a:t>Noise sources and coupling mechanisms</a:t>
-            </a:r>
-          </a:p>
-          <a:p>
-            <a:r>
-              <a:rPr lang="en-CH" dirty="0">
-                <a:latin typeface="Inter" panose="02000503000000020004" pitchFamily="50" charset="0"/>
-                <a:ea typeface="Inter" panose="02000503000000020004" pitchFamily="50" charset="0"/>
-                <a:cs typeface="Inter" panose="02000503000000020004" pitchFamily="50" charset="0"/>
-              </a:rPr>
-              <a:t>Methods of reducing effects of noise and interference</a:t>
-            </a:r>
-          </a:p>
-        </p:txBody>
-      </p:sp>
+        </p:nvGraphicFramePr>
+        <p:xfrm>
+          <a:off x="360363" y="1079500"/>
+          <a:ext cx="8423275" cy="3870325"/>
+        </p:xfrm>
+        <a:graphic>
+          <a:graphicData uri="http://schemas.openxmlformats.org/drawingml/2006/diagram">
+            <dgm:relIds xmlns:dgm="http://schemas.openxmlformats.org/drawingml/2006/diagram" xmlns:r="http://schemas.openxmlformats.org/officeDocument/2006/relationships" r:dm="rId2" r:lo="rId3" r:qs="rId4" r:cs="rId5"/>
+          </a:graphicData>
+        </a:graphic>
+      </p:graphicFrame>
     </p:spTree>
     <p:extLst>
       <p:ext uri="{BB962C8B-B14F-4D97-AF65-F5344CB8AC3E}">
-        <p14:creationId xmlns:p14="http://schemas.microsoft.com/office/powerpoint/2010/main" val="2914089871"/>
+        <p14:creationId xmlns:p14="http://schemas.microsoft.com/office/powerpoint/2010/main" val="3161146745"/>
       </p:ext>
     </p:extLst>
   </p:cSld>
@@ -15975,8 +15907,8 @@
           </a:xfrm>
         </p:spPr>
       </p:pic>
-      <mc:AlternateContent xmlns:mc="http://schemas.openxmlformats.org/markup-compatibility/2006">
-        <mc:Choice xmlns:a14="http://schemas.microsoft.com/office/drawing/2010/main" Requires="a14">
+      <mc:AlternateContent xmlns:mc="http://schemas.openxmlformats.org/markup-compatibility/2006" xmlns:a14="http://schemas.microsoft.com/office/drawing/2010/main">
+        <mc:Choice Requires="a14">
           <p:sp>
             <p:nvSpPr>
               <p:cNvPr id="5" name="TextBox 4">
@@ -16005,6 +15937,7 @@
               </a:bodyPr>
               <a:lstStyle/>
               <a:p>
+                <a:pPr/>
                 <a14:m>
                   <m:oMathPara xmlns:m="http://schemas.openxmlformats.org/officeDocument/2006/math">
                     <m:oMathParaPr>
@@ -16105,7 +16038,7 @@
             </p:txBody>
           </p:sp>
         </mc:Choice>
-        <mc:Fallback>
+        <mc:Fallback xmlns="">
           <p:sp>
             <p:nvSpPr>
               <p:cNvPr id="5" name="TextBox 4">
@@ -16287,8 +16220,8 @@
           </a:xfrm>
         </p:spPr>
       </p:pic>
-      <mc:AlternateContent xmlns:mc="http://schemas.openxmlformats.org/markup-compatibility/2006">
-        <mc:Choice xmlns:a14="http://schemas.microsoft.com/office/drawing/2010/main" Requires="a14">
+      <mc:AlternateContent xmlns:mc="http://schemas.openxmlformats.org/markup-compatibility/2006" xmlns:a14="http://schemas.microsoft.com/office/drawing/2010/main">
+        <mc:Choice Requires="a14">
           <p:sp>
             <p:nvSpPr>
               <p:cNvPr id="11" name="TextBox 10">
@@ -16386,7 +16319,6 @@
                 <a:endParaRPr lang="en-CH" sz="2000" b="0" dirty="0"/>
               </a:p>
               <a:p>
-                <a:pPr/>
                 <a:endParaRPr lang="en-CH" sz="2000" b="0" dirty="0"/>
               </a:p>
               <a:p>
@@ -16764,7 +16696,7 @@
             </p:txBody>
           </p:sp>
         </mc:Choice>
-        <mc:Fallback>
+        <mc:Fallback xmlns="">
           <p:sp>
             <p:nvSpPr>
               <p:cNvPr id="11" name="TextBox 10">
@@ -17032,76 +16964,217 @@
           </a:p>
         </p:txBody>
       </p:sp>
-      <p:sp>
-        <p:nvSpPr>
-          <p:cNvPr id="5" name="Content Placeholder 4">
-            <a:extLst>
-              <a:ext uri="{FF2B5EF4-FFF2-40B4-BE49-F238E27FC236}">
-                <a16:creationId xmlns:a16="http://schemas.microsoft.com/office/drawing/2014/main" id="{37A07562-1F31-A965-C753-E4F7E3F100FC}"/>
-              </a:ext>
-            </a:extLst>
-          </p:cNvPr>
-          <p:cNvSpPr>
-            <a:spLocks noGrp="1"/>
-          </p:cNvSpPr>
-          <p:nvPr>
-            <p:ph sz="quarter" idx="13"/>
-          </p:nvPr>
-        </p:nvSpPr>
-        <p:spPr/>
-        <p:txBody>
-          <a:bodyPr/>
-          <a:lstStyle/>
-          <a:p>
-            <a:r>
-              <a:rPr lang="en-CH" dirty="0"/>
-              <a:t>Physical separation</a:t>
-            </a:r>
-          </a:p>
-          <a:p>
-            <a:r>
-              <a:rPr lang="en-CH" dirty="0"/>
-              <a:t>Electromagnetic Shielding</a:t>
-            </a:r>
-          </a:p>
-          <a:p>
-            <a:r>
-              <a:rPr lang="en-CH" dirty="0"/>
-              <a:t>Electrostatic Screening and Shielding</a:t>
-            </a:r>
-          </a:p>
-          <a:p>
-            <a:r>
-              <a:rPr lang="en-CH" dirty="0"/>
-              <a:t>Use of differential amplifiers</a:t>
-            </a:r>
-          </a:p>
-          <a:p>
-            <a:r>
-              <a:rPr lang="en-CH" dirty="0"/>
-              <a:t>Filtering</a:t>
-            </a:r>
-          </a:p>
-          <a:p>
-            <a:r>
-              <a:rPr lang="en-CH" dirty="0"/>
-              <a:t>Modulation</a:t>
-            </a:r>
-          </a:p>
-          <a:p>
-            <a:r>
-              <a:rPr lang="en-CH" dirty="0"/>
-              <a:t>Averaging</a:t>
-            </a:r>
-          </a:p>
-          <a:p>
-            <a:r>
-              <a:rPr lang="en-CH" dirty="0"/>
-              <a:t>Autocorrelation</a:t>
-            </a:r>
-          </a:p>
-        </p:txBody>
-      </p:sp>
+      <mc:AlternateContent xmlns:mc="http://schemas.openxmlformats.org/markup-compatibility/2006" xmlns:a14="http://schemas.microsoft.com/office/drawing/2010/main">
+        <mc:Choice Requires="a14">
+          <p:sp>
+            <p:nvSpPr>
+              <p:cNvPr id="5" name="Content Placeholder 4">
+                <a:extLst>
+                  <a:ext uri="{FF2B5EF4-FFF2-40B4-BE49-F238E27FC236}">
+                    <a16:creationId xmlns:a16="http://schemas.microsoft.com/office/drawing/2014/main" id="{37A07562-1F31-A965-C753-E4F7E3F100FC}"/>
+                  </a:ext>
+                </a:extLst>
+              </p:cNvPr>
+              <p:cNvSpPr>
+                <a:spLocks noGrp="1"/>
+              </p:cNvSpPr>
+              <p:nvPr>
+                <p:ph sz="quarter" idx="13"/>
+              </p:nvPr>
+            </p:nvSpPr>
+            <p:spPr/>
+            <p:txBody>
+              <a:bodyPr/>
+              <a:lstStyle/>
+              <a:p>
+                <a:r>
+                  <a:rPr lang="en-CH" b="1" dirty="0"/>
+                  <a:t>Physical separation</a:t>
+                </a:r>
+              </a:p>
+              <a:p>
+                <a:r>
+                  <a:rPr lang="en-CH" b="1" dirty="0"/>
+                  <a:t>Electromagnetic Shielding </a:t>
+                </a:r>
+                <a:r>
+                  <a:rPr lang="en-CH" dirty="0"/>
+                  <a:t>(e.g. twisted cables)</a:t>
+                </a:r>
+              </a:p>
+              <a:p>
+                <a:r>
+                  <a:rPr lang="en-CH" b="1" dirty="0"/>
+                  <a:t>Electrostatic Screening and Shielding</a:t>
+                </a:r>
+              </a:p>
+              <a:p>
+                <a:r>
+                  <a:rPr lang="en-CH" b="1" dirty="0"/>
+                  <a:t>Differential amplifiers</a:t>
+                </a:r>
+                <a:r>
+                  <a:rPr lang="en-CH" dirty="0"/>
+                  <a:t> (e.g. Low noise amplifier, current sense amplifier)</a:t>
+                </a:r>
+              </a:p>
+              <a:p>
+                <a:r>
+                  <a:rPr lang="en-CH" b="1" dirty="0"/>
+                  <a:t>Filtering </a:t>
+                </a:r>
+                <a:r>
+                  <a:rPr lang="en-CH" dirty="0"/>
+                  <a:t>(e.g. noise filtering using a bandpass)</a:t>
+                </a:r>
+                <a:endParaRPr lang="en-CH" b="1" dirty="0"/>
+              </a:p>
+              <a:p>
+                <a:r>
+                  <a:rPr lang="en-CH" b="1" dirty="0"/>
+                  <a:t>Modulation</a:t>
+                </a:r>
+              </a:p>
+              <a:p>
+                <a:r>
+                  <a:rPr lang="en-CH" b="1" dirty="0"/>
+                  <a:t>Averaging</a:t>
+                </a:r>
+                <a:r>
+                  <a:rPr lang="en-CH" dirty="0"/>
+                  <a:t> repetitive signal (</a:t>
+                </a:r>
+                <a14:m>
+                  <m:oMath xmlns:m="http://schemas.openxmlformats.org/officeDocument/2006/math">
+                    <m:sSub>
+                      <m:sSubPr>
+                        <m:ctrlPr>
+                          <a:rPr lang="en-CH" b="0" i="1" smtClean="0">
+                            <a:latin typeface="Cambria Math" panose="02040503050406030204" pitchFamily="18" charset="0"/>
+                          </a:rPr>
+                        </m:ctrlPr>
+                      </m:sSubPr>
+                      <m:e>
+                        <m:r>
+                          <a:rPr lang="en-CH" b="0" i="1" smtClean="0">
+                            <a:latin typeface="Cambria Math" panose="02040503050406030204" pitchFamily="18" charset="0"/>
+                          </a:rPr>
+                          <m:t>𝜎</m:t>
+                        </m:r>
+                      </m:e>
+                      <m:sub>
+                        <m:r>
+                          <a:rPr lang="en-CH" b="0" i="1" smtClean="0">
+                            <a:latin typeface="Cambria Math" panose="02040503050406030204" pitchFamily="18" charset="0"/>
+                          </a:rPr>
+                          <m:t>𝐴𝑉</m:t>
+                        </m:r>
+                      </m:sub>
+                    </m:sSub>
+                    <m:r>
+                      <a:rPr lang="en-CH" b="0" i="1" smtClean="0">
+                        <a:latin typeface="Cambria Math" panose="02040503050406030204" pitchFamily="18" charset="0"/>
+                      </a:rPr>
+                      <m:t>=</m:t>
+                    </m:r>
+                    <m:f>
+                      <m:fPr>
+                        <m:ctrlPr>
+                          <a:rPr lang="en-CH" b="0" i="1" smtClean="0">
+                            <a:latin typeface="Cambria Math" panose="02040503050406030204" pitchFamily="18" charset="0"/>
+                          </a:rPr>
+                        </m:ctrlPr>
+                      </m:fPr>
+                      <m:num>
+                        <m:r>
+                          <a:rPr lang="en-CH" b="0" i="1" smtClean="0">
+                            <a:latin typeface="Cambria Math" panose="02040503050406030204" pitchFamily="18" charset="0"/>
+                          </a:rPr>
+                          <m:t>𝜎</m:t>
+                        </m:r>
+                      </m:num>
+                      <m:den>
+                        <m:rad>
+                          <m:radPr>
+                            <m:degHide m:val="on"/>
+                            <m:ctrlPr>
+                              <a:rPr lang="en-CH" b="0" i="1" smtClean="0">
+                                <a:latin typeface="Cambria Math" panose="02040503050406030204" pitchFamily="18" charset="0"/>
+                              </a:rPr>
+                            </m:ctrlPr>
+                          </m:radPr>
+                          <m:deg/>
+                          <m:e>
+                            <m:r>
+                              <a:rPr lang="en-CH" b="0" i="1" smtClean="0">
+                                <a:latin typeface="Cambria Math" panose="02040503050406030204" pitchFamily="18" charset="0"/>
+                              </a:rPr>
+                              <m:t>𝑝</m:t>
+                            </m:r>
+                          </m:e>
+                        </m:rad>
+                      </m:den>
+                    </m:f>
+                  </m:oMath>
+                </a14:m>
+                <a:r>
+                  <a:rPr lang="en-CH" dirty="0"/>
+                  <a:t>)</a:t>
+                </a:r>
+              </a:p>
+              <a:p>
+                <a:r>
+                  <a:rPr lang="en-CH" b="1" dirty="0"/>
+                  <a:t>Autocorrelation</a:t>
+                </a:r>
+                <a:r>
+                  <a:rPr lang="en-CH" dirty="0"/>
+                  <a:t> to detect presence of periodic signal in buried in random noise</a:t>
+                </a:r>
+              </a:p>
+            </p:txBody>
+          </p:sp>
+        </mc:Choice>
+        <mc:Fallback xmlns="">
+          <p:sp>
+            <p:nvSpPr>
+              <p:cNvPr id="5" name="Content Placeholder 4">
+                <a:extLst>
+                  <a:ext uri="{FF2B5EF4-FFF2-40B4-BE49-F238E27FC236}">
+                    <a16:creationId xmlns:a16="http://schemas.microsoft.com/office/drawing/2014/main" id="{37A07562-1F31-A965-C753-E4F7E3F100FC}"/>
+                  </a:ext>
+                </a:extLst>
+              </p:cNvPr>
+              <p:cNvSpPr>
+                <a:spLocks noGrp="1" noRot="1" noChangeAspect="1" noMove="1" noResize="1" noEditPoints="1" noAdjustHandles="1" noChangeArrowheads="1" noChangeShapeType="1" noTextEdit="1"/>
+              </p:cNvSpPr>
+              <p:nvPr>
+                <p:ph sz="quarter" idx="13"/>
+              </p:nvPr>
+            </p:nvSpPr>
+            <p:spPr>
+              <a:blipFill>
+                <a:blip r:embed="rId2"/>
+                <a:stretch>
+                  <a:fillRect l="-724" t="-1732" b="-2047"/>
+                </a:stretch>
+              </a:blipFill>
+            </p:spPr>
+            <p:txBody>
+              <a:bodyPr/>
+              <a:lstStyle/>
+              <a:p>
+                <a:r>
+                  <a:rPr lang="en-CH">
+                    <a:noFill/>
+                  </a:rPr>
+                  <a:t> </a:t>
+                </a:r>
+              </a:p>
+            </p:txBody>
+          </p:sp>
+        </mc:Fallback>
+      </mc:AlternateContent>
     </p:spTree>
     <p:extLst>
       <p:ext uri="{BB962C8B-B14F-4D97-AF65-F5344CB8AC3E}">
@@ -17112,101 +17185,801 @@
   <p:clrMapOvr>
     <a:masterClrMapping/>
   </p:clrMapOvr>
+  <p:timing>
+    <p:tnLst>
+      <p:par>
+        <p:cTn id="1" dur="indefinite" restart="never" nodeType="tmRoot">
+          <p:childTnLst>
+            <p:seq concurrent="1" nextAc="seek">
+              <p:cTn id="2" dur="indefinite" nodeType="mainSeq">
+                <p:childTnLst>
+                  <p:par>
+                    <p:cTn id="3" fill="hold">
+                      <p:stCondLst>
+                        <p:cond delay="indefinite"/>
+                      </p:stCondLst>
+                      <p:childTnLst>
+                        <p:par>
+                          <p:cTn id="4" fill="hold">
+                            <p:stCondLst>
+                              <p:cond delay="0"/>
+                            </p:stCondLst>
+                            <p:childTnLst>
+                              <p:par>
+                                <p:cTn id="5" presetID="10" presetClass="entr" presetSubtype="0" fill="hold" nodeType="clickEffect">
+                                  <p:stCondLst>
+                                    <p:cond delay="0"/>
+                                  </p:stCondLst>
+                                  <p:childTnLst>
+                                    <p:set>
+                                      <p:cBhvr>
+                                        <p:cTn id="6" dur="1" fill="hold">
+                                          <p:stCondLst>
+                                            <p:cond delay="0"/>
+                                          </p:stCondLst>
+                                        </p:cTn>
+                                        <p:tgtEl>
+                                          <p:spTgt spid="5">
+                                            <p:txEl>
+                                              <p:pRg st="0" end="0"/>
+                                            </p:txEl>
+                                          </p:spTgt>
+                                        </p:tgtEl>
+                                        <p:attrNameLst>
+                                          <p:attrName>style.visibility</p:attrName>
+                                        </p:attrNameLst>
+                                      </p:cBhvr>
+                                      <p:to>
+                                        <p:strVal val="visible"/>
+                                      </p:to>
+                                    </p:set>
+                                    <p:animEffect transition="in" filter="fade">
+                                      <p:cBhvr>
+                                        <p:cTn id="7" dur="250"/>
+                                        <p:tgtEl>
+                                          <p:spTgt spid="5">
+                                            <p:txEl>
+                                              <p:pRg st="0" end="0"/>
+                                            </p:txEl>
+                                          </p:spTgt>
+                                        </p:tgtEl>
+                                      </p:cBhvr>
+                                    </p:animEffect>
+                                  </p:childTnLst>
+                                </p:cTn>
+                              </p:par>
+                            </p:childTnLst>
+                          </p:cTn>
+                        </p:par>
+                      </p:childTnLst>
+                    </p:cTn>
+                  </p:par>
+                  <p:par>
+                    <p:cTn id="8" fill="hold">
+                      <p:stCondLst>
+                        <p:cond delay="indefinite"/>
+                      </p:stCondLst>
+                      <p:childTnLst>
+                        <p:par>
+                          <p:cTn id="9" fill="hold">
+                            <p:stCondLst>
+                              <p:cond delay="0"/>
+                            </p:stCondLst>
+                            <p:childTnLst>
+                              <p:par>
+                                <p:cTn id="10" presetID="10" presetClass="entr" presetSubtype="0" fill="hold" nodeType="clickEffect">
+                                  <p:stCondLst>
+                                    <p:cond delay="0"/>
+                                  </p:stCondLst>
+                                  <p:childTnLst>
+                                    <p:set>
+                                      <p:cBhvr>
+                                        <p:cTn id="11" dur="1" fill="hold">
+                                          <p:stCondLst>
+                                            <p:cond delay="0"/>
+                                          </p:stCondLst>
+                                        </p:cTn>
+                                        <p:tgtEl>
+                                          <p:spTgt spid="5">
+                                            <p:txEl>
+                                              <p:pRg st="1" end="1"/>
+                                            </p:txEl>
+                                          </p:spTgt>
+                                        </p:tgtEl>
+                                        <p:attrNameLst>
+                                          <p:attrName>style.visibility</p:attrName>
+                                        </p:attrNameLst>
+                                      </p:cBhvr>
+                                      <p:to>
+                                        <p:strVal val="visible"/>
+                                      </p:to>
+                                    </p:set>
+                                    <p:animEffect transition="in" filter="fade">
+                                      <p:cBhvr>
+                                        <p:cTn id="12" dur="250"/>
+                                        <p:tgtEl>
+                                          <p:spTgt spid="5">
+                                            <p:txEl>
+                                              <p:pRg st="1" end="1"/>
+                                            </p:txEl>
+                                          </p:spTgt>
+                                        </p:tgtEl>
+                                      </p:cBhvr>
+                                    </p:animEffect>
+                                  </p:childTnLst>
+                                </p:cTn>
+                              </p:par>
+                              <p:par>
+                                <p:cTn id="13" presetID="9" presetClass="emph" presetSubtype="0" nodeType="withEffect">
+                                  <p:stCondLst>
+                                    <p:cond delay="0"/>
+                                  </p:stCondLst>
+                                  <p:childTnLst>
+                                    <p:set>
+                                      <p:cBhvr>
+                                        <p:cTn id="14" dur="indefinite"/>
+                                        <p:tgtEl>
+                                          <p:spTgt spid="5">
+                                            <p:txEl>
+                                              <p:pRg st="0" end="0"/>
+                                            </p:txEl>
+                                          </p:spTgt>
+                                        </p:tgtEl>
+                                        <p:attrNameLst>
+                                          <p:attrName>style.opacity</p:attrName>
+                                        </p:attrNameLst>
+                                      </p:cBhvr>
+                                      <p:to>
+                                        <p:strVal val="0.25"/>
+                                      </p:to>
+                                    </p:set>
+                                    <p:animEffect filter="image" prLst="opacity: 0.25">
+                                      <p:cBhvr rctx="IE">
+                                        <p:cTn id="15" dur="indefinite"/>
+                                        <p:tgtEl>
+                                          <p:spTgt spid="5">
+                                            <p:txEl>
+                                              <p:pRg st="0" end="0"/>
+                                            </p:txEl>
+                                          </p:spTgt>
+                                        </p:tgtEl>
+                                      </p:cBhvr>
+                                    </p:animEffect>
+                                  </p:childTnLst>
+                                </p:cTn>
+                              </p:par>
+                            </p:childTnLst>
+                          </p:cTn>
+                        </p:par>
+                      </p:childTnLst>
+                    </p:cTn>
+                  </p:par>
+                  <p:par>
+                    <p:cTn id="16" fill="hold">
+                      <p:stCondLst>
+                        <p:cond delay="indefinite"/>
+                      </p:stCondLst>
+                      <p:childTnLst>
+                        <p:par>
+                          <p:cTn id="17" fill="hold">
+                            <p:stCondLst>
+                              <p:cond delay="0"/>
+                            </p:stCondLst>
+                            <p:childTnLst>
+                              <p:par>
+                                <p:cTn id="18" presetID="10" presetClass="entr" presetSubtype="0" fill="hold" nodeType="clickEffect">
+                                  <p:stCondLst>
+                                    <p:cond delay="0"/>
+                                  </p:stCondLst>
+                                  <p:childTnLst>
+                                    <p:set>
+                                      <p:cBhvr>
+                                        <p:cTn id="19" dur="1" fill="hold">
+                                          <p:stCondLst>
+                                            <p:cond delay="0"/>
+                                          </p:stCondLst>
+                                        </p:cTn>
+                                        <p:tgtEl>
+                                          <p:spTgt spid="5">
+                                            <p:txEl>
+                                              <p:pRg st="2" end="2"/>
+                                            </p:txEl>
+                                          </p:spTgt>
+                                        </p:tgtEl>
+                                        <p:attrNameLst>
+                                          <p:attrName>style.visibility</p:attrName>
+                                        </p:attrNameLst>
+                                      </p:cBhvr>
+                                      <p:to>
+                                        <p:strVal val="visible"/>
+                                      </p:to>
+                                    </p:set>
+                                    <p:animEffect transition="in" filter="fade">
+                                      <p:cBhvr>
+                                        <p:cTn id="20" dur="250"/>
+                                        <p:tgtEl>
+                                          <p:spTgt spid="5">
+                                            <p:txEl>
+                                              <p:pRg st="2" end="2"/>
+                                            </p:txEl>
+                                          </p:spTgt>
+                                        </p:tgtEl>
+                                      </p:cBhvr>
+                                    </p:animEffect>
+                                  </p:childTnLst>
+                                </p:cTn>
+                              </p:par>
+                              <p:par>
+                                <p:cTn id="21" presetID="9" presetClass="emph" presetSubtype="0" nodeType="withEffect">
+                                  <p:stCondLst>
+                                    <p:cond delay="0"/>
+                                  </p:stCondLst>
+                                  <p:childTnLst>
+                                    <p:set>
+                                      <p:cBhvr>
+                                        <p:cTn id="22" dur="indefinite"/>
+                                        <p:tgtEl>
+                                          <p:spTgt spid="5">
+                                            <p:txEl>
+                                              <p:pRg st="1" end="1"/>
+                                            </p:txEl>
+                                          </p:spTgt>
+                                        </p:tgtEl>
+                                        <p:attrNameLst>
+                                          <p:attrName>style.opacity</p:attrName>
+                                        </p:attrNameLst>
+                                      </p:cBhvr>
+                                      <p:to>
+                                        <p:strVal val="0.25"/>
+                                      </p:to>
+                                    </p:set>
+                                    <p:animEffect filter="image" prLst="opacity: 0.25">
+                                      <p:cBhvr rctx="IE">
+                                        <p:cTn id="23" dur="indefinite"/>
+                                        <p:tgtEl>
+                                          <p:spTgt spid="5">
+                                            <p:txEl>
+                                              <p:pRg st="1" end="1"/>
+                                            </p:txEl>
+                                          </p:spTgt>
+                                        </p:tgtEl>
+                                      </p:cBhvr>
+                                    </p:animEffect>
+                                  </p:childTnLst>
+                                </p:cTn>
+                              </p:par>
+                            </p:childTnLst>
+                          </p:cTn>
+                        </p:par>
+                      </p:childTnLst>
+                    </p:cTn>
+                  </p:par>
+                  <p:par>
+                    <p:cTn id="24" fill="hold">
+                      <p:stCondLst>
+                        <p:cond delay="indefinite"/>
+                      </p:stCondLst>
+                      <p:childTnLst>
+                        <p:par>
+                          <p:cTn id="25" fill="hold">
+                            <p:stCondLst>
+                              <p:cond delay="0"/>
+                            </p:stCondLst>
+                            <p:childTnLst>
+                              <p:par>
+                                <p:cTn id="26" presetID="10" presetClass="entr" presetSubtype="0" fill="hold" nodeType="clickEffect">
+                                  <p:stCondLst>
+                                    <p:cond delay="0"/>
+                                  </p:stCondLst>
+                                  <p:childTnLst>
+                                    <p:set>
+                                      <p:cBhvr>
+                                        <p:cTn id="27" dur="1" fill="hold">
+                                          <p:stCondLst>
+                                            <p:cond delay="0"/>
+                                          </p:stCondLst>
+                                        </p:cTn>
+                                        <p:tgtEl>
+                                          <p:spTgt spid="5">
+                                            <p:txEl>
+                                              <p:pRg st="3" end="3"/>
+                                            </p:txEl>
+                                          </p:spTgt>
+                                        </p:tgtEl>
+                                        <p:attrNameLst>
+                                          <p:attrName>style.visibility</p:attrName>
+                                        </p:attrNameLst>
+                                      </p:cBhvr>
+                                      <p:to>
+                                        <p:strVal val="visible"/>
+                                      </p:to>
+                                    </p:set>
+                                    <p:animEffect transition="in" filter="fade">
+                                      <p:cBhvr>
+                                        <p:cTn id="28" dur="250"/>
+                                        <p:tgtEl>
+                                          <p:spTgt spid="5">
+                                            <p:txEl>
+                                              <p:pRg st="3" end="3"/>
+                                            </p:txEl>
+                                          </p:spTgt>
+                                        </p:tgtEl>
+                                      </p:cBhvr>
+                                    </p:animEffect>
+                                  </p:childTnLst>
+                                </p:cTn>
+                              </p:par>
+                              <p:par>
+                                <p:cTn id="29" presetID="9" presetClass="emph" presetSubtype="0" nodeType="withEffect">
+                                  <p:stCondLst>
+                                    <p:cond delay="0"/>
+                                  </p:stCondLst>
+                                  <p:childTnLst>
+                                    <p:set>
+                                      <p:cBhvr>
+                                        <p:cTn id="30" dur="indefinite"/>
+                                        <p:tgtEl>
+                                          <p:spTgt spid="5">
+                                            <p:txEl>
+                                              <p:pRg st="2" end="2"/>
+                                            </p:txEl>
+                                          </p:spTgt>
+                                        </p:tgtEl>
+                                        <p:attrNameLst>
+                                          <p:attrName>style.opacity</p:attrName>
+                                        </p:attrNameLst>
+                                      </p:cBhvr>
+                                      <p:to>
+                                        <p:strVal val="0.25"/>
+                                      </p:to>
+                                    </p:set>
+                                    <p:animEffect filter="image" prLst="opacity: 0.25">
+                                      <p:cBhvr rctx="IE">
+                                        <p:cTn id="31" dur="indefinite"/>
+                                        <p:tgtEl>
+                                          <p:spTgt spid="5">
+                                            <p:txEl>
+                                              <p:pRg st="2" end="2"/>
+                                            </p:txEl>
+                                          </p:spTgt>
+                                        </p:tgtEl>
+                                      </p:cBhvr>
+                                    </p:animEffect>
+                                  </p:childTnLst>
+                                </p:cTn>
+                              </p:par>
+                            </p:childTnLst>
+                          </p:cTn>
+                        </p:par>
+                      </p:childTnLst>
+                    </p:cTn>
+                  </p:par>
+                  <p:par>
+                    <p:cTn id="32" fill="hold">
+                      <p:stCondLst>
+                        <p:cond delay="indefinite"/>
+                      </p:stCondLst>
+                      <p:childTnLst>
+                        <p:par>
+                          <p:cTn id="33" fill="hold">
+                            <p:stCondLst>
+                              <p:cond delay="0"/>
+                            </p:stCondLst>
+                            <p:childTnLst>
+                              <p:par>
+                                <p:cTn id="34" presetID="10" presetClass="entr" presetSubtype="0" fill="hold" nodeType="clickEffect">
+                                  <p:stCondLst>
+                                    <p:cond delay="0"/>
+                                  </p:stCondLst>
+                                  <p:childTnLst>
+                                    <p:set>
+                                      <p:cBhvr>
+                                        <p:cTn id="35" dur="1" fill="hold">
+                                          <p:stCondLst>
+                                            <p:cond delay="0"/>
+                                          </p:stCondLst>
+                                        </p:cTn>
+                                        <p:tgtEl>
+                                          <p:spTgt spid="5">
+                                            <p:txEl>
+                                              <p:pRg st="4" end="4"/>
+                                            </p:txEl>
+                                          </p:spTgt>
+                                        </p:tgtEl>
+                                        <p:attrNameLst>
+                                          <p:attrName>style.visibility</p:attrName>
+                                        </p:attrNameLst>
+                                      </p:cBhvr>
+                                      <p:to>
+                                        <p:strVal val="visible"/>
+                                      </p:to>
+                                    </p:set>
+                                    <p:animEffect transition="in" filter="fade">
+                                      <p:cBhvr>
+                                        <p:cTn id="36" dur="250"/>
+                                        <p:tgtEl>
+                                          <p:spTgt spid="5">
+                                            <p:txEl>
+                                              <p:pRg st="4" end="4"/>
+                                            </p:txEl>
+                                          </p:spTgt>
+                                        </p:tgtEl>
+                                      </p:cBhvr>
+                                    </p:animEffect>
+                                  </p:childTnLst>
+                                </p:cTn>
+                              </p:par>
+                              <p:par>
+                                <p:cTn id="37" presetID="9" presetClass="emph" presetSubtype="0" nodeType="withEffect">
+                                  <p:stCondLst>
+                                    <p:cond delay="0"/>
+                                  </p:stCondLst>
+                                  <p:childTnLst>
+                                    <p:set>
+                                      <p:cBhvr>
+                                        <p:cTn id="38" dur="indefinite"/>
+                                        <p:tgtEl>
+                                          <p:spTgt spid="5">
+                                            <p:txEl>
+                                              <p:pRg st="3" end="3"/>
+                                            </p:txEl>
+                                          </p:spTgt>
+                                        </p:tgtEl>
+                                        <p:attrNameLst>
+                                          <p:attrName>style.opacity</p:attrName>
+                                        </p:attrNameLst>
+                                      </p:cBhvr>
+                                      <p:to>
+                                        <p:strVal val="0.25"/>
+                                      </p:to>
+                                    </p:set>
+                                    <p:animEffect filter="image" prLst="opacity: 0.25">
+                                      <p:cBhvr rctx="IE">
+                                        <p:cTn id="39" dur="indefinite"/>
+                                        <p:tgtEl>
+                                          <p:spTgt spid="5">
+                                            <p:txEl>
+                                              <p:pRg st="3" end="3"/>
+                                            </p:txEl>
+                                          </p:spTgt>
+                                        </p:tgtEl>
+                                      </p:cBhvr>
+                                    </p:animEffect>
+                                  </p:childTnLst>
+                                </p:cTn>
+                              </p:par>
+                            </p:childTnLst>
+                          </p:cTn>
+                        </p:par>
+                      </p:childTnLst>
+                    </p:cTn>
+                  </p:par>
+                  <p:par>
+                    <p:cTn id="40" fill="hold">
+                      <p:stCondLst>
+                        <p:cond delay="indefinite"/>
+                      </p:stCondLst>
+                      <p:childTnLst>
+                        <p:par>
+                          <p:cTn id="41" fill="hold">
+                            <p:stCondLst>
+                              <p:cond delay="0"/>
+                            </p:stCondLst>
+                            <p:childTnLst>
+                              <p:par>
+                                <p:cTn id="42" presetID="10" presetClass="entr" presetSubtype="0" fill="hold" nodeType="clickEffect">
+                                  <p:stCondLst>
+                                    <p:cond delay="0"/>
+                                  </p:stCondLst>
+                                  <p:childTnLst>
+                                    <p:set>
+                                      <p:cBhvr>
+                                        <p:cTn id="43" dur="1" fill="hold">
+                                          <p:stCondLst>
+                                            <p:cond delay="0"/>
+                                          </p:stCondLst>
+                                        </p:cTn>
+                                        <p:tgtEl>
+                                          <p:spTgt spid="5">
+                                            <p:txEl>
+                                              <p:pRg st="5" end="5"/>
+                                            </p:txEl>
+                                          </p:spTgt>
+                                        </p:tgtEl>
+                                        <p:attrNameLst>
+                                          <p:attrName>style.visibility</p:attrName>
+                                        </p:attrNameLst>
+                                      </p:cBhvr>
+                                      <p:to>
+                                        <p:strVal val="visible"/>
+                                      </p:to>
+                                    </p:set>
+                                    <p:animEffect transition="in" filter="fade">
+                                      <p:cBhvr>
+                                        <p:cTn id="44" dur="250"/>
+                                        <p:tgtEl>
+                                          <p:spTgt spid="5">
+                                            <p:txEl>
+                                              <p:pRg st="5" end="5"/>
+                                            </p:txEl>
+                                          </p:spTgt>
+                                        </p:tgtEl>
+                                      </p:cBhvr>
+                                    </p:animEffect>
+                                  </p:childTnLst>
+                                </p:cTn>
+                              </p:par>
+                              <p:par>
+                                <p:cTn id="45" presetID="9" presetClass="emph" presetSubtype="0" nodeType="withEffect">
+                                  <p:stCondLst>
+                                    <p:cond delay="0"/>
+                                  </p:stCondLst>
+                                  <p:childTnLst>
+                                    <p:set>
+                                      <p:cBhvr>
+                                        <p:cTn id="46" dur="indefinite"/>
+                                        <p:tgtEl>
+                                          <p:spTgt spid="5">
+                                            <p:txEl>
+                                              <p:pRg st="4" end="4"/>
+                                            </p:txEl>
+                                          </p:spTgt>
+                                        </p:tgtEl>
+                                        <p:attrNameLst>
+                                          <p:attrName>style.opacity</p:attrName>
+                                        </p:attrNameLst>
+                                      </p:cBhvr>
+                                      <p:to>
+                                        <p:strVal val="0.25"/>
+                                      </p:to>
+                                    </p:set>
+                                    <p:animEffect filter="image" prLst="opacity: 0.25">
+                                      <p:cBhvr rctx="IE">
+                                        <p:cTn id="47" dur="indefinite"/>
+                                        <p:tgtEl>
+                                          <p:spTgt spid="5">
+                                            <p:txEl>
+                                              <p:pRg st="4" end="4"/>
+                                            </p:txEl>
+                                          </p:spTgt>
+                                        </p:tgtEl>
+                                      </p:cBhvr>
+                                    </p:animEffect>
+                                  </p:childTnLst>
+                                </p:cTn>
+                              </p:par>
+                            </p:childTnLst>
+                          </p:cTn>
+                        </p:par>
+                      </p:childTnLst>
+                    </p:cTn>
+                  </p:par>
+                  <p:par>
+                    <p:cTn id="48" fill="hold">
+                      <p:stCondLst>
+                        <p:cond delay="indefinite"/>
+                      </p:stCondLst>
+                      <p:childTnLst>
+                        <p:par>
+                          <p:cTn id="49" fill="hold">
+                            <p:stCondLst>
+                              <p:cond delay="0"/>
+                            </p:stCondLst>
+                            <p:childTnLst>
+                              <p:par>
+                                <p:cTn id="50" presetID="10" presetClass="entr" presetSubtype="0" fill="hold" nodeType="clickEffect">
+                                  <p:stCondLst>
+                                    <p:cond delay="0"/>
+                                  </p:stCondLst>
+                                  <p:childTnLst>
+                                    <p:set>
+                                      <p:cBhvr>
+                                        <p:cTn id="51" dur="1" fill="hold">
+                                          <p:stCondLst>
+                                            <p:cond delay="0"/>
+                                          </p:stCondLst>
+                                        </p:cTn>
+                                        <p:tgtEl>
+                                          <p:spTgt spid="5">
+                                            <p:txEl>
+                                              <p:pRg st="6" end="6"/>
+                                            </p:txEl>
+                                          </p:spTgt>
+                                        </p:tgtEl>
+                                        <p:attrNameLst>
+                                          <p:attrName>style.visibility</p:attrName>
+                                        </p:attrNameLst>
+                                      </p:cBhvr>
+                                      <p:to>
+                                        <p:strVal val="visible"/>
+                                      </p:to>
+                                    </p:set>
+                                    <p:animEffect transition="in" filter="fade">
+                                      <p:cBhvr>
+                                        <p:cTn id="52" dur="250"/>
+                                        <p:tgtEl>
+                                          <p:spTgt spid="5">
+                                            <p:txEl>
+                                              <p:pRg st="6" end="6"/>
+                                            </p:txEl>
+                                          </p:spTgt>
+                                        </p:tgtEl>
+                                      </p:cBhvr>
+                                    </p:animEffect>
+                                  </p:childTnLst>
+                                </p:cTn>
+                              </p:par>
+                              <p:par>
+                                <p:cTn id="53" presetID="9" presetClass="emph" presetSubtype="0" nodeType="withEffect">
+                                  <p:stCondLst>
+                                    <p:cond delay="0"/>
+                                  </p:stCondLst>
+                                  <p:childTnLst>
+                                    <p:set>
+                                      <p:cBhvr>
+                                        <p:cTn id="54" dur="indefinite"/>
+                                        <p:tgtEl>
+                                          <p:spTgt spid="5">
+                                            <p:txEl>
+                                              <p:pRg st="5" end="5"/>
+                                            </p:txEl>
+                                          </p:spTgt>
+                                        </p:tgtEl>
+                                        <p:attrNameLst>
+                                          <p:attrName>style.opacity</p:attrName>
+                                        </p:attrNameLst>
+                                      </p:cBhvr>
+                                      <p:to>
+                                        <p:strVal val="0.25"/>
+                                      </p:to>
+                                    </p:set>
+                                    <p:animEffect filter="image" prLst="opacity: 0.25">
+                                      <p:cBhvr rctx="IE">
+                                        <p:cTn id="55" dur="indefinite"/>
+                                        <p:tgtEl>
+                                          <p:spTgt spid="5">
+                                            <p:txEl>
+                                              <p:pRg st="5" end="5"/>
+                                            </p:txEl>
+                                          </p:spTgt>
+                                        </p:tgtEl>
+                                      </p:cBhvr>
+                                    </p:animEffect>
+                                  </p:childTnLst>
+                                </p:cTn>
+                              </p:par>
+                            </p:childTnLst>
+                          </p:cTn>
+                        </p:par>
+                      </p:childTnLst>
+                    </p:cTn>
+                  </p:par>
+                  <p:par>
+                    <p:cTn id="56" fill="hold">
+                      <p:stCondLst>
+                        <p:cond delay="indefinite"/>
+                      </p:stCondLst>
+                      <p:childTnLst>
+                        <p:par>
+                          <p:cTn id="57" fill="hold">
+                            <p:stCondLst>
+                              <p:cond delay="0"/>
+                            </p:stCondLst>
+                            <p:childTnLst>
+                              <p:par>
+                                <p:cTn id="58" presetID="10" presetClass="entr" presetSubtype="0" fill="hold" nodeType="clickEffect">
+                                  <p:stCondLst>
+                                    <p:cond delay="0"/>
+                                  </p:stCondLst>
+                                  <p:childTnLst>
+                                    <p:set>
+                                      <p:cBhvr>
+                                        <p:cTn id="59" dur="1" fill="hold">
+                                          <p:stCondLst>
+                                            <p:cond delay="0"/>
+                                          </p:stCondLst>
+                                        </p:cTn>
+                                        <p:tgtEl>
+                                          <p:spTgt spid="5">
+                                            <p:txEl>
+                                              <p:pRg st="7" end="7"/>
+                                            </p:txEl>
+                                          </p:spTgt>
+                                        </p:tgtEl>
+                                        <p:attrNameLst>
+                                          <p:attrName>style.visibility</p:attrName>
+                                        </p:attrNameLst>
+                                      </p:cBhvr>
+                                      <p:to>
+                                        <p:strVal val="visible"/>
+                                      </p:to>
+                                    </p:set>
+                                    <p:animEffect transition="in" filter="fade">
+                                      <p:cBhvr>
+                                        <p:cTn id="60" dur="250"/>
+                                        <p:tgtEl>
+                                          <p:spTgt spid="5">
+                                            <p:txEl>
+                                              <p:pRg st="7" end="7"/>
+                                            </p:txEl>
+                                          </p:spTgt>
+                                        </p:tgtEl>
+                                      </p:cBhvr>
+                                    </p:animEffect>
+                                  </p:childTnLst>
+                                </p:cTn>
+                              </p:par>
+                              <p:par>
+                                <p:cTn id="61" presetID="9" presetClass="emph" presetSubtype="0" nodeType="withEffect">
+                                  <p:stCondLst>
+                                    <p:cond delay="0"/>
+                                  </p:stCondLst>
+                                  <p:childTnLst>
+                                    <p:set>
+                                      <p:cBhvr>
+                                        <p:cTn id="62" dur="indefinite"/>
+                                        <p:tgtEl>
+                                          <p:spTgt spid="5">
+                                            <p:txEl>
+                                              <p:pRg st="6" end="6"/>
+                                            </p:txEl>
+                                          </p:spTgt>
+                                        </p:tgtEl>
+                                        <p:attrNameLst>
+                                          <p:attrName>style.opacity</p:attrName>
+                                        </p:attrNameLst>
+                                      </p:cBhvr>
+                                      <p:to>
+                                        <p:strVal val="0.25"/>
+                                      </p:to>
+                                    </p:set>
+                                    <p:animEffect filter="image" prLst="opacity: 0.25">
+                                      <p:cBhvr rctx="IE">
+                                        <p:cTn id="63" dur="indefinite"/>
+                                        <p:tgtEl>
+                                          <p:spTgt spid="5">
+                                            <p:txEl>
+                                              <p:pRg st="6" end="6"/>
+                                            </p:txEl>
+                                          </p:spTgt>
+                                        </p:tgtEl>
+                                      </p:cBhvr>
+                                    </p:animEffect>
+                                  </p:childTnLst>
+                                </p:cTn>
+                              </p:par>
+                            </p:childTnLst>
+                          </p:cTn>
+                        </p:par>
+                      </p:childTnLst>
+                    </p:cTn>
+                  </p:par>
+                </p:childTnLst>
+              </p:cTn>
+              <p:prevCondLst>
+                <p:cond evt="onPrev" delay="0">
+                  <p:tgtEl>
+                    <p:sldTgt/>
+                  </p:tgtEl>
+                </p:cond>
+              </p:prevCondLst>
+              <p:nextCondLst>
+                <p:cond evt="onNext" delay="0">
+                  <p:tgtEl>
+                    <p:sldTgt/>
+                  </p:tgtEl>
+                </p:cond>
+              </p:nextCondLst>
+            </p:seq>
+          </p:childTnLst>
+        </p:cTn>
+      </p:par>
+    </p:tnLst>
+  </p:timing>
 </p:sld>
 </file>
 
 <file path=ppt/slides/slide3.xml><?xml version="1.0" encoding="utf-8"?>
-<p:sld xmlns:a="http://schemas.openxmlformats.org/drawingml/2006/main" xmlns:r="http://schemas.openxmlformats.org/officeDocument/2006/relationships" xmlns:p="http://schemas.openxmlformats.org/presentationml/2006/main">
-  <p:cSld>
-    <p:spTree>
-      <p:nvGrpSpPr>
-        <p:cNvPr id="1" name=""/>
-        <p:cNvGrpSpPr/>
-        <p:nvPr/>
-      </p:nvGrpSpPr>
-      <p:grpSpPr>
-        <a:xfrm>
-          <a:off x="0" y="0"/>
-          <a:ext cx="0" cy="0"/>
-          <a:chOff x="0" y="0"/>
-          <a:chExt cx="0" cy="0"/>
-        </a:xfrm>
-      </p:grpSpPr>
-      <p:sp>
-        <p:nvSpPr>
-          <p:cNvPr id="4" name="Title 3">
-            <a:extLst>
-              <a:ext uri="{FF2B5EF4-FFF2-40B4-BE49-F238E27FC236}">
-                <a16:creationId xmlns:a16="http://schemas.microsoft.com/office/drawing/2014/main" id="{4CFD4528-2BB6-DA51-122A-993728681618}"/>
-              </a:ext>
-            </a:extLst>
-          </p:cNvPr>
-          <p:cNvSpPr>
-            <a:spLocks noGrp="1"/>
-          </p:cNvSpPr>
-          <p:nvPr>
-            <p:ph type="title"/>
-          </p:nvPr>
-        </p:nvSpPr>
-        <p:spPr/>
-        <p:txBody>
-          <a:bodyPr>
-            <a:normAutofit/>
-          </a:bodyPr>
-          <a:lstStyle/>
-          <a:p>
-            <a:r>
-              <a:rPr lang="en-CH" sz="4000" dirty="0"/>
-              <a:t>Overview</a:t>
-            </a:r>
-          </a:p>
-        </p:txBody>
-      </p:sp>
-      <p:graphicFrame>
-        <p:nvGraphicFramePr>
-          <p:cNvPr id="8" name="Content Placeholder 7">
-            <a:extLst>
-              <a:ext uri="{FF2B5EF4-FFF2-40B4-BE49-F238E27FC236}">
-                <a16:creationId xmlns:a16="http://schemas.microsoft.com/office/drawing/2014/main" id="{38769C3B-DB07-C067-4C10-8E7FE469BE7F}"/>
-              </a:ext>
-            </a:extLst>
-          </p:cNvPr>
-          <p:cNvGraphicFramePr>
-            <a:graphicFrameLocks noGrp="1"/>
-          </p:cNvGraphicFramePr>
-          <p:nvPr>
-            <p:ph sz="quarter" idx="13"/>
-            <p:extLst>
-              <p:ext uri="{D42A27DB-BD31-4B8C-83A1-F6EECF244321}">
-                <p14:modId xmlns:p14="http://schemas.microsoft.com/office/powerpoint/2010/main" val="448871951"/>
-              </p:ext>
-            </p:extLst>
-          </p:nvPr>
-        </p:nvGraphicFramePr>
-        <p:xfrm>
-          <a:off x="360363" y="1079500"/>
-          <a:ext cx="8423275" cy="3870325"/>
-        </p:xfrm>
-        <a:graphic>
-          <a:graphicData uri="http://schemas.openxmlformats.org/drawingml/2006/diagram">
-            <dgm:relIds xmlns:dgm="http://schemas.openxmlformats.org/drawingml/2006/diagram" xmlns:r="http://schemas.openxmlformats.org/officeDocument/2006/relationships" r:dm="rId2" r:lo="rId3" r:qs="rId4" r:cs="rId5"/>
-          </a:graphicData>
-        </a:graphic>
-      </p:graphicFrame>
-    </p:spTree>
-    <p:extLst>
-      <p:ext uri="{BB962C8B-B14F-4D97-AF65-F5344CB8AC3E}">
-        <p14:creationId xmlns:p14="http://schemas.microsoft.com/office/powerpoint/2010/main" val="3161146745"/>
-      </p:ext>
-    </p:extLst>
-  </p:cSld>
-  <p:clrMapOvr>
-    <a:masterClrMapping/>
-  </p:clrMapOvr>
-</p:sld>
-</file>
-
-<file path=ppt/slides/slide4.xml><?xml version="1.0" encoding="utf-8"?>
 <p:sld xmlns:a="http://schemas.openxmlformats.org/drawingml/2006/main" xmlns:r="http://schemas.openxmlformats.org/officeDocument/2006/relationships" xmlns:p="http://schemas.openxmlformats.org/presentationml/2006/main">
   <p:cSld>
     <p:spTree>
@@ -17334,7 +18107,7 @@
 </p:sld>
 </file>
 
-<file path=ppt/slides/slide5.xml><?xml version="1.0" encoding="utf-8"?>
+<file path=ppt/slides/slide4.xml><?xml version="1.0" encoding="utf-8"?>
 <p:sld xmlns:a="http://schemas.openxmlformats.org/drawingml/2006/main" xmlns:r="http://schemas.openxmlformats.org/officeDocument/2006/relationships" xmlns:p="http://schemas.openxmlformats.org/presentationml/2006/main">
   <p:cSld>
     <p:spTree>
@@ -17756,7 +18529,7 @@
 </p:sld>
 </file>
 
-<file path=ppt/slides/slide6.xml><?xml version="1.0" encoding="utf-8"?>
+<file path=ppt/slides/slide5.xml><?xml version="1.0" encoding="utf-8"?>
 <p:sld xmlns:a="http://schemas.openxmlformats.org/drawingml/2006/main" xmlns:r="http://schemas.openxmlformats.org/officeDocument/2006/relationships" xmlns:p="http://schemas.openxmlformats.org/presentationml/2006/main">
   <p:cSld>
     <p:spTree>
@@ -19682,7 +20455,7 @@
 </p:sld>
 </file>
 
-<file path=ppt/slides/slide7.xml><?xml version="1.0" encoding="utf-8"?>
+<file path=ppt/slides/slide6.xml><?xml version="1.0" encoding="utf-8"?>
 <p:sld xmlns:a="http://schemas.openxmlformats.org/drawingml/2006/main" xmlns:r="http://schemas.openxmlformats.org/officeDocument/2006/relationships" xmlns:p="http://schemas.openxmlformats.org/presentationml/2006/main">
   <p:cSld>
     <p:spTree>
@@ -19791,7 +20564,12 @@
                 <p:ph sz="quarter" idx="13"/>
               </p:nvPr>
             </p:nvSpPr>
-            <p:spPr/>
+            <p:spPr>
+              <a:xfrm>
+                <a:off x="359998" y="1079999"/>
+                <a:ext cx="7837234" cy="4252651"/>
+              </a:xfrm>
+            </p:spPr>
             <p:txBody>
               <a:bodyPr/>
               <a:lstStyle/>
@@ -19886,10 +20664,28 @@
                           </m:r>
                         </m:den>
                       </m:f>
+                      <m:r>
+                        <a:rPr lang="en-CH" sz="2400" b="0" i="1" smtClean="0">
+                          <a:latin typeface="Cambria Math" panose="02040503050406030204" pitchFamily="18" charset="0"/>
+                        </a:rPr>
+                        <m:t>                                                                    </m:t>
+                      </m:r>
                     </m:oMath>
                   </m:oMathPara>
                 </a14:m>
                 <a:endParaRPr lang="en-CH" sz="2000" b="0" dirty="0"/>
+              </a:p>
+              <a:p>
+                <a:pPr marL="0" indent="0">
+                  <a:buNone/>
+                </a:pPr>
+                <a:endParaRPr lang="en-CH" sz="2000" b="0" dirty="0"/>
+              </a:p>
+              <a:p>
+                <a:pPr marL="0" indent="0">
+                  <a:buNone/>
+                </a:pPr>
+                <a:endParaRPr lang="en-CH" sz="2000" dirty="0"/>
               </a:p>
               <a:p>
                 <a:pPr marL="0" indent="0">
@@ -19939,6 +20735,9 @@
                   <a:rPr lang="en-CH" dirty="0"/>
                   <a:t> Probability &amp; </a:t>
                 </a:r>
+                <a:br>
+                  <a:rPr lang="en-CH" dirty="0"/>
+                </a:br>
                 <a:r>
                   <a:rPr lang="en-CH" dirty="0" err="1"/>
                   <a:t>Cumu</a:t>
@@ -20369,10 +21168,14 @@
               </p:nvPr>
             </p:nvSpPr>
             <p:spPr>
+              <a:xfrm>
+                <a:off x="359998" y="1079999"/>
+                <a:ext cx="7837234" cy="4252651"/>
+              </a:xfrm>
               <a:blipFill>
                 <a:blip r:embed="rId3"/>
                 <a:stretch>
-                  <a:fillRect l="-724" t="-1732"/>
+                  <a:fillRect l="-778" t="-1576"/>
                 </a:stretch>
               </a:blipFill>
             </p:spPr>
@@ -20391,6 +21194,36 @@
           </p:sp>
         </mc:Fallback>
       </mc:AlternateContent>
+      <p:pic>
+        <p:nvPicPr>
+          <p:cNvPr id="2" name="Picture 1">
+            <a:extLst>
+              <a:ext uri="{FF2B5EF4-FFF2-40B4-BE49-F238E27FC236}">
+                <a16:creationId xmlns:a16="http://schemas.microsoft.com/office/drawing/2014/main" id="{7C181FA4-B2B9-6CED-5E27-2848C0D3ACF8}"/>
+              </a:ext>
+            </a:extLst>
+          </p:cNvPr>
+          <p:cNvPicPr>
+            <a:picLocks noChangeAspect="1"/>
+          </p:cNvPicPr>
+          <p:nvPr/>
+        </p:nvPicPr>
+        <p:blipFill>
+          <a:blip r:embed="rId4"/>
+          <a:stretch>
+            <a:fillRect/>
+          </a:stretch>
+        </p:blipFill>
+        <p:spPr>
+          <a:xfrm>
+            <a:off x="4701379" y="1177207"/>
+            <a:ext cx="4347833" cy="2423749"/>
+          </a:xfrm>
+          <a:prstGeom prst="rect">
+            <a:avLst/>
+          </a:prstGeom>
+        </p:spPr>
+      </p:pic>
     </p:spTree>
     <p:extLst>
       <p:ext uri="{BB962C8B-B14F-4D97-AF65-F5344CB8AC3E}">
@@ -20404,7 +21237,7 @@
 </p:sld>
 </file>
 
-<file path=ppt/slides/slide8.xml><?xml version="1.0" encoding="utf-8"?>
+<file path=ppt/slides/slide7.xml><?xml version="1.0" encoding="utf-8"?>
 <p:sld xmlns:a="http://schemas.openxmlformats.org/drawingml/2006/main" xmlns:r="http://schemas.openxmlformats.org/officeDocument/2006/relationships" xmlns:p="http://schemas.openxmlformats.org/presentationml/2006/main">
   <p:cSld>
     <p:spTree>
@@ -20863,7 +21696,7 @@
 </p:sld>
 </file>
 
-<file path=ppt/slides/slide9.xml><?xml version="1.0" encoding="utf-8"?>
+<file path=ppt/slides/slide8.xml><?xml version="1.0" encoding="utf-8"?>
 <p:sld xmlns:a="http://schemas.openxmlformats.org/drawingml/2006/main" xmlns:r="http://schemas.openxmlformats.org/officeDocument/2006/relationships" xmlns:p="http://schemas.openxmlformats.org/presentationml/2006/main">
   <p:cSld>
     <p:spTree>
@@ -21017,6 +21850,403 @@
     <p:extLst>
       <p:ext uri="{BB962C8B-B14F-4D97-AF65-F5344CB8AC3E}">
         <p14:creationId xmlns:p14="http://schemas.microsoft.com/office/powerpoint/2010/main" val="1656797604"/>
+      </p:ext>
+    </p:extLst>
+  </p:cSld>
+  <p:clrMapOvr>
+    <a:masterClrMapping/>
+  </p:clrMapOvr>
+</p:sld>
+</file>
+
+<file path=ppt/slides/slide9.xml><?xml version="1.0" encoding="utf-8"?>
+<p:sld xmlns:a="http://schemas.openxmlformats.org/drawingml/2006/main" xmlns:r="http://schemas.openxmlformats.org/officeDocument/2006/relationships" xmlns:p="http://schemas.openxmlformats.org/presentationml/2006/main">
+  <p:cSld>
+    <p:spTree>
+      <p:nvGrpSpPr>
+        <p:cNvPr id="1" name=""/>
+        <p:cNvGrpSpPr/>
+        <p:nvPr/>
+      </p:nvGrpSpPr>
+      <p:grpSpPr>
+        <a:xfrm>
+          <a:off x="0" y="0"/>
+          <a:ext cx="0" cy="0"/>
+          <a:chOff x="0" y="0"/>
+          <a:chExt cx="0" cy="0"/>
+        </a:xfrm>
+      </p:grpSpPr>
+      <p:sp>
+        <p:nvSpPr>
+          <p:cNvPr id="4" name="Title 3">
+            <a:extLst>
+              <a:ext uri="{FF2B5EF4-FFF2-40B4-BE49-F238E27FC236}">
+                <a16:creationId xmlns:a16="http://schemas.microsoft.com/office/drawing/2014/main" id="{4CFD4528-2BB6-DA51-122A-993728681618}"/>
+              </a:ext>
+            </a:extLst>
+          </p:cNvPr>
+          <p:cNvSpPr>
+            <a:spLocks noGrp="1"/>
+          </p:cNvSpPr>
+          <p:nvPr>
+            <p:ph type="title"/>
+          </p:nvPr>
+        </p:nvSpPr>
+        <p:spPr/>
+        <p:txBody>
+          <a:bodyPr>
+            <a:noAutofit/>
+          </a:bodyPr>
+          <a:lstStyle/>
+          <a:p>
+            <a:r>
+              <a:rPr lang="en-CH" sz="2800" dirty="0"/>
+              <a:t>Power Spectral Density</a:t>
+            </a:r>
+            <a:br>
+              <a:rPr lang="en-CH" sz="2800" dirty="0"/>
+            </a:br>
+            <a:r>
+              <a:rPr lang="en-CH" sz="1600" b="0" dirty="0"/>
+              <a:t>Statistical Representation of Random Signals</a:t>
+            </a:r>
+          </a:p>
+        </p:txBody>
+      </p:sp>
+      <p:sp>
+        <p:nvSpPr>
+          <p:cNvPr id="7" name="Footer Placeholder 6">
+            <a:extLst>
+              <a:ext uri="{FF2B5EF4-FFF2-40B4-BE49-F238E27FC236}">
+                <a16:creationId xmlns:a16="http://schemas.microsoft.com/office/drawing/2014/main" id="{C2087B21-59E7-351E-453B-C0FB4499D72D}"/>
+              </a:ext>
+            </a:extLst>
+          </p:cNvPr>
+          <p:cNvSpPr>
+            <a:spLocks noGrp="1"/>
+          </p:cNvSpPr>
+          <p:nvPr>
+            <p:ph type="ftr" sz="quarter" idx="11"/>
+          </p:nvPr>
+        </p:nvSpPr>
+        <p:spPr>
+          <a:xfrm>
+            <a:off x="2155008" y="5444450"/>
+            <a:ext cx="4833984" cy="270000"/>
+          </a:xfrm>
+        </p:spPr>
+        <p:txBody>
+          <a:bodyPr/>
+          <a:lstStyle/>
+          <a:p>
+            <a:r>
+              <a:rPr lang="en-GB" dirty="0"/>
+              <a:t>Principles of Measurement Systems 4th Edition, John P. Bentley, p.</a:t>
+            </a:r>
+            <a:r>
+              <a:rPr lang="en-CH" dirty="0"/>
+              <a:t>102-104</a:t>
+            </a:r>
+          </a:p>
+        </p:txBody>
+      </p:sp>
+      <p:pic>
+        <p:nvPicPr>
+          <p:cNvPr id="8" name="Content Placeholder 7">
+            <a:extLst>
+              <a:ext uri="{FF2B5EF4-FFF2-40B4-BE49-F238E27FC236}">
+                <a16:creationId xmlns:a16="http://schemas.microsoft.com/office/drawing/2014/main" id="{FAF0A968-DEE8-F058-F848-0467CD2376AC}"/>
+              </a:ext>
+            </a:extLst>
+          </p:cNvPr>
+          <p:cNvPicPr>
+            <a:picLocks noGrp="1" noChangeAspect="1"/>
+          </p:cNvPicPr>
+          <p:nvPr>
+            <p:ph sz="quarter" idx="13"/>
+          </p:nvPr>
+        </p:nvPicPr>
+        <p:blipFill>
+          <a:blip r:embed="rId3"/>
+          <a:stretch>
+            <a:fillRect/>
+          </a:stretch>
+        </p:blipFill>
+        <p:spPr>
+          <a:xfrm>
+            <a:off x="922149" y="1133700"/>
+            <a:ext cx="7299702" cy="2887793"/>
+          </a:xfrm>
+        </p:spPr>
+      </p:pic>
+      <mc:AlternateContent xmlns:mc="http://schemas.openxmlformats.org/markup-compatibility/2006" xmlns:a14="http://schemas.microsoft.com/office/drawing/2010/main">
+        <mc:Choice Requires="a14">
+          <p:sp>
+            <p:nvSpPr>
+              <p:cNvPr id="9" name="TextBox 8">
+                <a:extLst>
+                  <a:ext uri="{FF2B5EF4-FFF2-40B4-BE49-F238E27FC236}">
+                    <a16:creationId xmlns:a16="http://schemas.microsoft.com/office/drawing/2014/main" id="{DD73AE0B-5177-EE25-DB8A-62055C61009B}"/>
+                  </a:ext>
+                </a:extLst>
+              </p:cNvPr>
+              <p:cNvSpPr txBox="1"/>
+              <p:nvPr/>
+            </p:nvSpPr>
+            <p:spPr>
+              <a:xfrm>
+                <a:off x="3292643" y="4213457"/>
+                <a:ext cx="2558714" cy="824585"/>
+              </a:xfrm>
+              <a:prstGeom prst="rect">
+                <a:avLst/>
+              </a:prstGeom>
+              <a:noFill/>
+            </p:spPr>
+            <p:txBody>
+              <a:bodyPr wrap="none" lIns="0" tIns="0" rIns="0" bIns="0" rtlCol="0">
+                <a:spAutoFit/>
+              </a:bodyPr>
+              <a:lstStyle/>
+              <a:p>
+                <a:pPr/>
+                <a14:m>
+                  <m:oMathPara xmlns:m="http://schemas.openxmlformats.org/officeDocument/2006/math">
+                    <m:oMathParaPr>
+                      <m:jc m:val="centerGroup"/>
+                    </m:oMathParaPr>
+                    <m:oMath xmlns:m="http://schemas.openxmlformats.org/officeDocument/2006/math">
+                      <m:acc>
+                        <m:accPr>
+                          <m:chr m:val="̅"/>
+                          <m:ctrlPr>
+                            <a:rPr lang="en-CH" sz="2400" b="0" i="1" smtClean="0">
+                              <a:latin typeface="Cambria Math" panose="02040503050406030204" pitchFamily="18" charset="0"/>
+                            </a:rPr>
+                          </m:ctrlPr>
+                        </m:accPr>
+                        <m:e>
+                          <m:r>
+                            <a:rPr lang="en-CH" sz="2400" b="0" i="1" smtClean="0">
+                              <a:latin typeface="Cambria Math" panose="02040503050406030204" pitchFamily="18" charset="0"/>
+                            </a:rPr>
+                            <m:t>𝑃</m:t>
+                          </m:r>
+                        </m:e>
+                      </m:acc>
+                      <m:r>
+                        <a:rPr lang="en-CH" sz="2400" b="0" i="1" smtClean="0">
+                          <a:latin typeface="Cambria Math" panose="02040503050406030204" pitchFamily="18" charset="0"/>
+                        </a:rPr>
+                        <m:t>=</m:t>
+                      </m:r>
+                      <m:f>
+                        <m:fPr>
+                          <m:ctrlPr>
+                            <a:rPr lang="en-CH" sz="2400" b="0" i="1" smtClean="0">
+                              <a:latin typeface="Cambria Math" panose="02040503050406030204" pitchFamily="18" charset="0"/>
+                            </a:rPr>
+                          </m:ctrlPr>
+                        </m:fPr>
+                        <m:num>
+                          <m:r>
+                            <a:rPr lang="en-CH" sz="2400" b="0" i="1" smtClean="0">
+                              <a:latin typeface="Cambria Math" panose="02040503050406030204" pitchFamily="18" charset="0"/>
+                            </a:rPr>
+                            <m:t>1</m:t>
+                          </m:r>
+                        </m:num>
+                        <m:den>
+                          <m:sSub>
+                            <m:sSubPr>
+                              <m:ctrlPr>
+                                <a:rPr lang="en-CH" sz="2400" b="0" i="1" smtClean="0">
+                                  <a:latin typeface="Cambria Math" panose="02040503050406030204" pitchFamily="18" charset="0"/>
+                                </a:rPr>
+                              </m:ctrlPr>
+                            </m:sSubPr>
+                            <m:e>
+                              <m:r>
+                                <a:rPr lang="en-CH" sz="2400" b="0" i="1" smtClean="0">
+                                  <a:latin typeface="Cambria Math" panose="02040503050406030204" pitchFamily="18" charset="0"/>
+                                </a:rPr>
+                                <m:t>𝑇</m:t>
+                              </m:r>
+                            </m:e>
+                            <m:sub>
+                              <m:r>
+                                <a:rPr lang="en-CH" sz="2400" b="0" i="1" smtClean="0">
+                                  <a:latin typeface="Cambria Math" panose="02040503050406030204" pitchFamily="18" charset="0"/>
+                                </a:rPr>
+                                <m:t>0</m:t>
+                              </m:r>
+                            </m:sub>
+                          </m:sSub>
+                        </m:den>
+                      </m:f>
+                      <m:r>
+                        <a:rPr lang="en-CH" sz="2400" b="0" i="1" smtClean="0">
+                          <a:latin typeface="Cambria Math" panose="02040503050406030204" pitchFamily="18" charset="0"/>
+                        </a:rPr>
+                        <m:t>⋅</m:t>
+                      </m:r>
+                      <m:nary>
+                        <m:naryPr>
+                          <m:ctrlPr>
+                            <a:rPr lang="en-CH" sz="2400" b="0" i="1" smtClean="0">
+                              <a:latin typeface="Cambria Math" panose="02040503050406030204" pitchFamily="18" charset="0"/>
+                            </a:rPr>
+                          </m:ctrlPr>
+                        </m:naryPr>
+                        <m:sub>
+                          <m:sSub>
+                            <m:sSubPr>
+                              <m:ctrlPr>
+                                <a:rPr lang="en-CH" sz="2400" b="0" i="1" smtClean="0">
+                                  <a:latin typeface="Cambria Math" panose="02040503050406030204" pitchFamily="18" charset="0"/>
+                                </a:rPr>
+                              </m:ctrlPr>
+                            </m:sSubPr>
+                            <m:e>
+                              <m:r>
+                                <m:rPr>
+                                  <m:brk m:alnAt="23"/>
+                                </m:rPr>
+                                <a:rPr lang="en-CH" sz="2400" b="0" i="1" smtClean="0">
+                                  <a:latin typeface="Cambria Math" panose="02040503050406030204" pitchFamily="18" charset="0"/>
+                                </a:rPr>
+                                <m:t>𝑇</m:t>
+                              </m:r>
+                            </m:e>
+                            <m:sub>
+                              <m:r>
+                                <m:rPr>
+                                  <m:brk m:alnAt="23"/>
+                                </m:rPr>
+                                <a:rPr lang="en-CH" sz="2400" b="0" i="1" smtClean="0">
+                                  <a:latin typeface="Cambria Math" panose="02040503050406030204" pitchFamily="18" charset="0"/>
+                                </a:rPr>
+                                <m:t>0</m:t>
+                              </m:r>
+                            </m:sub>
+                          </m:sSub>
+                        </m:sub>
+                        <m:sup>
+                          <m:r>
+                            <a:rPr lang="en-CH" sz="2400" b="0" i="1" smtClean="0">
+                              <a:latin typeface="Cambria Math" panose="02040503050406030204" pitchFamily="18" charset="0"/>
+                            </a:rPr>
+                            <m:t> </m:t>
+                          </m:r>
+                        </m:sup>
+                        <m:e>
+                          <m:sSup>
+                            <m:sSupPr>
+                              <m:ctrlPr>
+                                <a:rPr lang="en-CH" sz="2400" b="0" i="1" smtClean="0">
+                                  <a:latin typeface="Cambria Math" panose="02040503050406030204" pitchFamily="18" charset="0"/>
+                                </a:rPr>
+                              </m:ctrlPr>
+                            </m:sSupPr>
+                            <m:e>
+                              <m:r>
+                                <a:rPr lang="en-CH" sz="2400" b="0" i="1" smtClean="0">
+                                  <a:latin typeface="Cambria Math" panose="02040503050406030204" pitchFamily="18" charset="0"/>
+                                </a:rPr>
+                                <m:t>𝑥</m:t>
+                              </m:r>
+                            </m:e>
+                            <m:sup>
+                              <m:r>
+                                <a:rPr lang="en-CH" sz="2400" b="0" i="1" smtClean="0">
+                                  <a:latin typeface="Cambria Math" panose="02040503050406030204" pitchFamily="18" charset="0"/>
+                                </a:rPr>
+                                <m:t>2</m:t>
+                              </m:r>
+                            </m:sup>
+                          </m:sSup>
+                          <m:d>
+                            <m:dPr>
+                              <m:ctrlPr>
+                                <a:rPr lang="en-CH" sz="2400" b="0" i="1" smtClean="0">
+                                  <a:latin typeface="Cambria Math" panose="02040503050406030204" pitchFamily="18" charset="0"/>
+                                </a:rPr>
+                              </m:ctrlPr>
+                            </m:dPr>
+                            <m:e>
+                              <m:r>
+                                <a:rPr lang="en-CH" sz="2400" b="0" i="1" smtClean="0">
+                                  <a:latin typeface="Cambria Math" panose="02040503050406030204" pitchFamily="18" charset="0"/>
+                                </a:rPr>
+                                <m:t>𝑡</m:t>
+                              </m:r>
+                            </m:e>
+                          </m:d>
+                          <m:r>
+                            <a:rPr lang="en-CH" sz="2400" b="0" i="1" smtClean="0">
+                              <a:latin typeface="Cambria Math" panose="02040503050406030204" pitchFamily="18" charset="0"/>
+                            </a:rPr>
+                            <m:t>𝑑𝑡</m:t>
+                          </m:r>
+                        </m:e>
+                      </m:nary>
+                    </m:oMath>
+                  </m:oMathPara>
+                </a14:m>
+                <a:endParaRPr lang="en-CH" sz="2400" dirty="0"/>
+              </a:p>
+            </p:txBody>
+          </p:sp>
+        </mc:Choice>
+        <mc:Fallback xmlns="">
+          <p:sp>
+            <p:nvSpPr>
+              <p:cNvPr id="9" name="TextBox 8">
+                <a:extLst>
+                  <a:ext uri="{FF2B5EF4-FFF2-40B4-BE49-F238E27FC236}">
+                    <a16:creationId xmlns:a16="http://schemas.microsoft.com/office/drawing/2014/main" id="{DD73AE0B-5177-EE25-DB8A-62055C61009B}"/>
+                  </a:ext>
+                </a:extLst>
+              </p:cNvPr>
+              <p:cNvSpPr txBox="1">
+                <a:spLocks noRot="1" noChangeAspect="1" noMove="1" noResize="1" noEditPoints="1" noAdjustHandles="1" noChangeArrowheads="1" noChangeShapeType="1" noTextEdit="1"/>
+              </p:cNvSpPr>
+              <p:nvPr/>
+            </p:nvSpPr>
+            <p:spPr>
+              <a:xfrm>
+                <a:off x="3292643" y="4213457"/>
+                <a:ext cx="2558714" cy="824585"/>
+              </a:xfrm>
+              <a:prstGeom prst="rect">
+                <a:avLst/>
+              </a:prstGeom>
+              <a:blipFill>
+                <a:blip r:embed="rId4"/>
+                <a:stretch>
+                  <a:fillRect/>
+                </a:stretch>
+              </a:blipFill>
+            </p:spPr>
+            <p:txBody>
+              <a:bodyPr/>
+              <a:lstStyle/>
+              <a:p>
+                <a:r>
+                  <a:rPr lang="en-CH">
+                    <a:noFill/>
+                  </a:rPr>
+                  <a:t> </a:t>
+                </a:r>
+              </a:p>
+            </p:txBody>
+          </p:sp>
+        </mc:Fallback>
+      </mc:AlternateContent>
+    </p:spTree>
+    <p:extLst>
+      <p:ext uri="{BB962C8B-B14F-4D97-AF65-F5344CB8AC3E}">
+        <p14:creationId xmlns:p14="http://schemas.microsoft.com/office/powerpoint/2010/main" val="3347368836"/>
       </p:ext>
     </p:extLst>
   </p:cSld>
